--- a/Material für Abschlusspräsentation/Präsentation_Felix.pptx
+++ b/Material für Abschlusspräsentation/Präsentation_Felix.pptx
@@ -5583,7 +5583,7 @@
               <a:rPr lang="de-DE" sz="2800" spc="600" dirty="0">
                 <a:latin typeface="Corbel Light" panose="020B0303020204020204" pitchFamily="34" charset="0"/>
               </a:rPr>
-              <a:t>32%</a:t>
+              <a:t>5%</a:t>
             </a:r>
           </a:p>
         </p:txBody>
@@ -6316,7 +6316,7 @@
               <a:rPr lang="de-DE" sz="2800" spc="600" dirty="0">
                 <a:latin typeface="Corbel Light" panose="020B0303020204020204" pitchFamily="34" charset="0"/>
               </a:rPr>
-              <a:t>32%</a:t>
+              <a:t>15%</a:t>
             </a:r>
           </a:p>
         </p:txBody>
@@ -7053,7 +7053,7 @@
               <a:rPr lang="de-DE" sz="2800" spc="600" dirty="0">
                 <a:latin typeface="Corbel Light" panose="020B0303020204020204" pitchFamily="34" charset="0"/>
               </a:rPr>
-              <a:t>32%</a:t>
+              <a:t>50%</a:t>
             </a:r>
           </a:p>
         </p:txBody>
@@ -7251,7 +7251,7 @@
               <a:rPr lang="de-DE" sz="2800" spc="600" dirty="0">
                 <a:latin typeface="Corbel Light" panose="020B0303020204020204" pitchFamily="34" charset="0"/>
               </a:rPr>
-              <a:t>32%</a:t>
+              <a:t>30%</a:t>
             </a:r>
           </a:p>
         </p:txBody>

--- a/Material für Abschlusspräsentation/Präsentation_Felix.pptx
+++ b/Material für Abschlusspräsentation/Präsentation_Felix.pptx
@@ -517,436 +517,28 @@
           <a:bodyPr/>
           <a:lstStyle/>
           <a:p>
-            <a:r>
-              <a:rPr lang="de-DE" dirty="0"/>
-              <a:t>4 wichtigsten Themen für den </a:t>
-            </a:r>
+            <a:pPr marL="171450" indent="-171450">
+              <a:buFont typeface="Arial" panose="020B0604020202020204" pitchFamily="34" charset="0"/>
+              <a:buChar char="•"/>
+            </a:pPr>
             <a:r>
               <a:rPr lang="de-DE" dirty="0" err="1"/>
               <a:t>Robonova</a:t>
             </a:r>
             <a:r>
               <a:rPr lang="de-DE" dirty="0"/>
-              <a:t>:</a:t>
+              <a:t> ist Endpunkt aller vorherigen Schritte </a:t>
             </a:r>
           </a:p>
           <a:p>
             <a:pPr marL="171450" indent="-171450">
-              <a:buFontTx/>
-              <a:buChar char="-"/>
+              <a:buFont typeface="Arial" panose="020B0604020202020204" pitchFamily="34" charset="0"/>
+              <a:buChar char="•"/>
             </a:pPr>
             <a:r>
               <a:rPr lang="de-DE" dirty="0"/>
-              <a:t>Steuerplatine</a:t>
-            </a:r>
-          </a:p>
-          <a:p>
-            <a:pPr marL="171450" indent="-171450">
-              <a:buFontTx/>
-              <a:buChar char="-"/>
-            </a:pPr>
-            <a:r>
-              <a:rPr lang="de-DE" dirty="0"/>
-              <a:t>Debugging + </a:t>
-            </a:r>
-            <a:r>
-              <a:rPr lang="de-DE" dirty="0" err="1"/>
-              <a:t>Toolchain</a:t>
-            </a:r>
-            <a:r>
-              <a:rPr lang="de-DE" dirty="0"/>
-              <a:t> am PC</a:t>
-            </a:r>
-          </a:p>
-          <a:p>
-            <a:pPr marL="171450" indent="-171450">
-              <a:buFontTx/>
-              <a:buChar char="-"/>
-            </a:pPr>
-            <a:r>
-              <a:rPr lang="de-DE" dirty="0"/>
-              <a:t>WiFi Modul</a:t>
-            </a:r>
-          </a:p>
-          <a:p>
-            <a:pPr marL="171450" indent="-171450">
-              <a:buFontTx/>
-              <a:buChar char="-"/>
-            </a:pPr>
-            <a:r>
-              <a:rPr lang="de-DE" dirty="0" err="1"/>
-              <a:t>Servo</a:t>
-            </a:r>
-            <a:r>
-              <a:rPr lang="de-DE" dirty="0"/>
-              <a:t> Motoren</a:t>
-            </a:r>
-          </a:p>
-          <a:p>
-            <a:pPr marL="171450" indent="-171450">
-              <a:buFontTx/>
-              <a:buChar char="-"/>
-            </a:pPr>
-            <a:endParaRPr lang="de-DE" dirty="0"/>
-          </a:p>
-          <a:p>
-            <a:pPr marL="0" indent="0">
-              <a:buFontTx/>
-              <a:buNone/>
-            </a:pPr>
-            <a:r>
-              <a:rPr lang="de-DE" dirty="0"/>
-              <a:t>Steuerplatine:</a:t>
-            </a:r>
-          </a:p>
-          <a:p>
-            <a:pPr marL="171450" indent="-171450">
-              <a:buFontTx/>
-              <a:buChar char="-"/>
-            </a:pPr>
-            <a:r>
-              <a:rPr lang="de-DE" dirty="0"/>
-              <a:t>Custom entwickelte Platine</a:t>
-            </a:r>
-          </a:p>
-          <a:p>
-            <a:pPr marL="171450" marR="0" lvl="0" indent="-171450" algn="l" defTabSz="914400" rtl="0" eaLnBrk="1" fontAlgn="auto" latinLnBrk="0" hangingPunct="1">
-              <a:lnSpc>
-                <a:spcPct val="100000"/>
-              </a:lnSpc>
-              <a:spcBef>
-                <a:spcPts val="0"/>
-              </a:spcBef>
-              <a:spcAft>
-                <a:spcPts val="0"/>
-              </a:spcAft>
-              <a:buClrTx/>
-              <a:buSzTx/>
-              <a:buFontTx/>
-              <a:buChar char="-"/>
-              <a:tabLst/>
-              <a:defRPr/>
-            </a:pPr>
-            <a:r>
-              <a:rPr lang="de-DE" dirty="0"/>
-              <a:t>Prozessor: </a:t>
-            </a:r>
-            <a:r>
-              <a:rPr lang="de-DE" sz="1200" kern="1200" dirty="0">
-                <a:solidFill>
-                  <a:schemeClr val="tx1"/>
-                </a:solidFill>
-                <a:effectLst/>
-                <a:latin typeface="+mn-lt"/>
-                <a:ea typeface="+mn-ea"/>
-                <a:cs typeface="+mn-cs"/>
-              </a:rPr>
-              <a:t>STM32F405RG – 32bit Arm </a:t>
-            </a:r>
-            <a:r>
-              <a:rPr lang="de-DE" sz="1200" kern="1200" dirty="0" err="1">
-                <a:solidFill>
-                  <a:schemeClr val="tx1"/>
-                </a:solidFill>
-                <a:effectLst/>
-                <a:latin typeface="+mn-lt"/>
-                <a:ea typeface="+mn-ea"/>
-                <a:cs typeface="+mn-cs"/>
-              </a:rPr>
-              <a:t>Processor</a:t>
-            </a:r>
-            <a:endParaRPr lang="de-DE" sz="1200" kern="1200" dirty="0">
-              <a:solidFill>
-                <a:schemeClr val="tx1"/>
-              </a:solidFill>
-              <a:effectLst/>
-              <a:latin typeface="+mn-lt"/>
-              <a:ea typeface="+mn-ea"/>
-              <a:cs typeface="+mn-cs"/>
-            </a:endParaRPr>
-          </a:p>
-          <a:p>
-            <a:pPr marL="171450" marR="0" lvl="0" indent="-171450" algn="l" defTabSz="914400" rtl="0" eaLnBrk="1" fontAlgn="auto" latinLnBrk="0" hangingPunct="1">
-              <a:lnSpc>
-                <a:spcPct val="100000"/>
-              </a:lnSpc>
-              <a:spcBef>
-                <a:spcPts val="0"/>
-              </a:spcBef>
-              <a:spcAft>
-                <a:spcPts val="0"/>
-              </a:spcAft>
-              <a:buClrTx/>
-              <a:buSzTx/>
-              <a:buFontTx/>
-              <a:buChar char="-"/>
-              <a:tabLst/>
-              <a:defRPr/>
-            </a:pPr>
-            <a:r>
-              <a:rPr lang="de-DE" sz="1200" kern="1200" dirty="0">
-                <a:solidFill>
-                  <a:schemeClr val="tx1"/>
-                </a:solidFill>
-                <a:effectLst/>
-                <a:latin typeface="+mn-lt"/>
-                <a:ea typeface="+mn-ea"/>
-                <a:cs typeface="+mn-cs"/>
-              </a:rPr>
-              <a:t>BLE Chip –unbenutzt</a:t>
-            </a:r>
-          </a:p>
-          <a:p>
-            <a:pPr marL="171450" marR="0" lvl="0" indent="-171450" algn="l" defTabSz="914400" rtl="0" eaLnBrk="1" fontAlgn="auto" latinLnBrk="0" hangingPunct="1">
-              <a:lnSpc>
-                <a:spcPct val="100000"/>
-              </a:lnSpc>
-              <a:spcBef>
-                <a:spcPts val="0"/>
-              </a:spcBef>
-              <a:spcAft>
-                <a:spcPts val="0"/>
-              </a:spcAft>
-              <a:buClrTx/>
-              <a:buSzTx/>
-              <a:buFontTx/>
-              <a:buChar char="-"/>
-              <a:tabLst/>
-              <a:defRPr/>
-            </a:pPr>
-            <a:r>
-              <a:rPr lang="de-DE" sz="1200" kern="1200" dirty="0">
-                <a:solidFill>
-                  <a:schemeClr val="tx1"/>
-                </a:solidFill>
-                <a:effectLst/>
-                <a:latin typeface="+mn-lt"/>
-                <a:ea typeface="+mn-ea"/>
-                <a:cs typeface="+mn-cs"/>
-              </a:rPr>
-              <a:t>MPU 6050 –unbenutzt (</a:t>
-            </a:r>
-            <a:r>
-              <a:rPr lang="de-DE" sz="1200" kern="1200" dirty="0" err="1">
-                <a:solidFill>
-                  <a:schemeClr val="tx1"/>
-                </a:solidFill>
-                <a:effectLst/>
-                <a:latin typeface="+mn-lt"/>
-                <a:ea typeface="+mn-ea"/>
-                <a:cs typeface="+mn-cs"/>
-              </a:rPr>
-              <a:t>gyro</a:t>
-            </a:r>
-            <a:r>
-              <a:rPr lang="de-DE" sz="1200" kern="1200" dirty="0">
-                <a:solidFill>
-                  <a:schemeClr val="tx1"/>
-                </a:solidFill>
-                <a:effectLst/>
-                <a:latin typeface="+mn-lt"/>
-                <a:ea typeface="+mn-ea"/>
-                <a:cs typeface="+mn-cs"/>
-              </a:rPr>
-              <a:t>, </a:t>
-            </a:r>
-            <a:r>
-              <a:rPr lang="de-DE" sz="1200" kern="1200" dirty="0" err="1">
-                <a:solidFill>
-                  <a:schemeClr val="tx1"/>
-                </a:solidFill>
-                <a:effectLst/>
-                <a:latin typeface="+mn-lt"/>
-                <a:ea typeface="+mn-ea"/>
-                <a:cs typeface="+mn-cs"/>
-              </a:rPr>
-              <a:t>beschl.</a:t>
-            </a:r>
-            <a:r>
-              <a:rPr lang="de-DE" sz="1200" kern="1200" dirty="0">
-                <a:solidFill>
-                  <a:schemeClr val="tx1"/>
-                </a:solidFill>
-                <a:effectLst/>
-                <a:latin typeface="+mn-lt"/>
-                <a:ea typeface="+mn-ea"/>
-                <a:cs typeface="+mn-cs"/>
-              </a:rPr>
-              <a:t> Motion </a:t>
-            </a:r>
-            <a:r>
-              <a:rPr lang="de-DE" sz="1200" kern="1200" dirty="0" err="1">
-                <a:solidFill>
-                  <a:schemeClr val="tx1"/>
-                </a:solidFill>
-                <a:effectLst/>
-                <a:latin typeface="+mn-lt"/>
-                <a:ea typeface="+mn-ea"/>
-                <a:cs typeface="+mn-cs"/>
-              </a:rPr>
-              <a:t>Processo</a:t>
-            </a:r>
-            <a:r>
-              <a:rPr lang="de-DE" sz="1200" kern="1200" dirty="0">
-                <a:solidFill>
-                  <a:schemeClr val="tx1"/>
-                </a:solidFill>
-                <a:effectLst/>
-                <a:latin typeface="+mn-lt"/>
-                <a:ea typeface="+mn-ea"/>
-                <a:cs typeface="+mn-cs"/>
-              </a:rPr>
-              <a:t>)</a:t>
-            </a:r>
-          </a:p>
-          <a:p>
-            <a:pPr marL="171450" marR="0" lvl="0" indent="-171450" algn="l" defTabSz="914400" rtl="0" eaLnBrk="1" fontAlgn="auto" latinLnBrk="0" hangingPunct="1">
-              <a:lnSpc>
-                <a:spcPct val="100000"/>
-              </a:lnSpc>
-              <a:spcBef>
-                <a:spcPts val="0"/>
-              </a:spcBef>
-              <a:spcAft>
-                <a:spcPts val="0"/>
-              </a:spcAft>
-              <a:buClrTx/>
-              <a:buSzTx/>
-              <a:buFontTx/>
-              <a:buChar char="-"/>
-              <a:tabLst/>
-              <a:defRPr/>
-            </a:pPr>
-            <a:r>
-              <a:rPr lang="de-DE" sz="1200" kern="1200" dirty="0">
-                <a:solidFill>
-                  <a:schemeClr val="tx1"/>
-                </a:solidFill>
-                <a:effectLst/>
-                <a:latin typeface="+mn-lt"/>
-                <a:ea typeface="+mn-ea"/>
-                <a:cs typeface="+mn-cs"/>
-              </a:rPr>
-              <a:t>User-LEDs</a:t>
-            </a:r>
-          </a:p>
-          <a:p>
-            <a:pPr marL="171450" marR="0" lvl="0" indent="-171450" algn="l" defTabSz="914400" rtl="0" eaLnBrk="1" fontAlgn="auto" latinLnBrk="0" hangingPunct="1">
-              <a:lnSpc>
-                <a:spcPct val="100000"/>
-              </a:lnSpc>
-              <a:spcBef>
-                <a:spcPts val="0"/>
-              </a:spcBef>
-              <a:spcAft>
-                <a:spcPts val="0"/>
-              </a:spcAft>
-              <a:buClrTx/>
-              <a:buSzTx/>
-              <a:buFontTx/>
-              <a:buChar char="-"/>
-              <a:tabLst/>
-              <a:defRPr/>
-            </a:pPr>
-            <a:r>
-              <a:rPr lang="de-DE" sz="1200" kern="1200" dirty="0">
-                <a:solidFill>
-                  <a:schemeClr val="tx1"/>
-                </a:solidFill>
-                <a:effectLst/>
-                <a:latin typeface="+mn-lt"/>
-                <a:ea typeface="+mn-ea"/>
-                <a:cs typeface="+mn-cs"/>
-              </a:rPr>
-              <a:t>4 UART </a:t>
-            </a:r>
-            <a:r>
-              <a:rPr lang="de-DE" sz="1200" kern="1200" dirty="0" err="1">
-                <a:solidFill>
-                  <a:schemeClr val="tx1"/>
-                </a:solidFill>
-                <a:effectLst/>
-                <a:latin typeface="+mn-lt"/>
-                <a:ea typeface="+mn-ea"/>
-                <a:cs typeface="+mn-cs"/>
-              </a:rPr>
-              <a:t>header</a:t>
-            </a:r>
-            <a:r>
-              <a:rPr lang="de-DE" sz="1200" kern="1200" dirty="0">
-                <a:solidFill>
-                  <a:schemeClr val="tx1"/>
-                </a:solidFill>
-                <a:effectLst/>
-                <a:latin typeface="+mn-lt"/>
-                <a:ea typeface="+mn-ea"/>
-                <a:cs typeface="+mn-cs"/>
-              </a:rPr>
-              <a:t> für </a:t>
-            </a:r>
-            <a:r>
-              <a:rPr lang="de-DE" sz="1200" kern="1200" dirty="0" err="1">
-                <a:solidFill>
-                  <a:schemeClr val="tx1"/>
-                </a:solidFill>
-                <a:effectLst/>
-                <a:latin typeface="+mn-lt"/>
-                <a:ea typeface="+mn-ea"/>
-                <a:cs typeface="+mn-cs"/>
-              </a:rPr>
-              <a:t>Servos</a:t>
-            </a:r>
-            <a:endParaRPr lang="de-DE" sz="1200" kern="1200" dirty="0">
-              <a:solidFill>
-                <a:schemeClr val="tx1"/>
-              </a:solidFill>
-              <a:effectLst/>
-              <a:latin typeface="+mn-lt"/>
-              <a:ea typeface="+mn-ea"/>
-              <a:cs typeface="+mn-cs"/>
-            </a:endParaRPr>
-          </a:p>
-          <a:p>
-            <a:pPr marL="171450" marR="0" lvl="0" indent="-171450" algn="l" defTabSz="914400" rtl="0" eaLnBrk="1" fontAlgn="auto" latinLnBrk="0" hangingPunct="1">
-              <a:lnSpc>
-                <a:spcPct val="100000"/>
-              </a:lnSpc>
-              <a:spcBef>
-                <a:spcPts val="0"/>
-              </a:spcBef>
-              <a:spcAft>
-                <a:spcPts val="0"/>
-              </a:spcAft>
-              <a:buClrTx/>
-              <a:buSzTx/>
-              <a:buFontTx/>
-              <a:buChar char="-"/>
-              <a:tabLst/>
-              <a:defRPr/>
-            </a:pPr>
-            <a:r>
-              <a:rPr lang="de-DE" dirty="0"/>
-              <a:t>1 UART für BLE bzw. WiFi Modul</a:t>
-            </a:r>
-          </a:p>
-          <a:p>
-            <a:pPr marL="171450" indent="-171450">
-              <a:buFontTx/>
-              <a:buChar char="-"/>
-            </a:pPr>
-            <a:r>
-              <a:rPr lang="de-DE" dirty="0" err="1"/>
-              <a:t>Debug</a:t>
-            </a:r>
-            <a:r>
-              <a:rPr lang="de-DE" dirty="0"/>
-              <a:t> </a:t>
-            </a:r>
-            <a:r>
-              <a:rPr lang="de-DE" dirty="0" err="1"/>
-              <a:t>header</a:t>
-            </a:r>
-            <a:endParaRPr lang="de-DE" dirty="0"/>
+              <a:t>Anschauliches Ergebnis</a:t>
+            </a:r>
           </a:p>
         </p:txBody>
       </p:sp>
@@ -967,7 +559,7 @@
           <a:p>
             <a:fld id="{0194AACC-7DFA-4861-8E9F-6A38B02C3BDD}" type="slidenum">
               <a:rPr lang="de-DE" smtClean="0"/>
-              <a:t>2</a:t>
+              <a:t>1</a:t>
             </a:fld>
             <a:endParaRPr lang="de-DE"/>
           </a:p>
@@ -976,7 +568,7 @@
     </p:spTree>
     <p:extLst>
       <p:ext uri="{BB962C8B-B14F-4D97-AF65-F5344CB8AC3E}">
-        <p14:creationId xmlns:p14="http://schemas.microsoft.com/office/powerpoint/2010/main" val="2019420829"/>
+        <p14:creationId xmlns:p14="http://schemas.microsoft.com/office/powerpoint/2010/main" val="4087092080"/>
       </p:ext>
     </p:extLst>
   </p:cSld>
@@ -1030,175 +622,436 @@
           <a:bodyPr/>
           <a:lstStyle/>
           <a:p>
+            <a:r>
+              <a:rPr lang="de-DE" dirty="0"/>
+              <a:t>4 wichtigsten Themen für den </a:t>
+            </a:r>
+            <a:r>
+              <a:rPr lang="de-DE" dirty="0" err="1"/>
+              <a:t>Robonova</a:t>
+            </a:r>
+            <a:r>
+              <a:rPr lang="de-DE" dirty="0"/>
+              <a:t>:</a:t>
+            </a:r>
+          </a:p>
+          <a:p>
             <a:pPr marL="171450" indent="-171450">
               <a:buFontTx/>
               <a:buChar char="-"/>
             </a:pPr>
             <a:r>
               <a:rPr lang="de-DE" dirty="0"/>
-              <a:t>Debugger per JTAG</a:t>
-            </a:r>
+              <a:t>Steuerplatine</a:t>
+            </a:r>
+          </a:p>
+          <a:p>
+            <a:pPr marL="171450" indent="-171450">
+              <a:buFontTx/>
+              <a:buChar char="-"/>
+            </a:pPr>
+            <a:r>
+              <a:rPr lang="de-DE" dirty="0"/>
+              <a:t>Debugging + </a:t>
+            </a:r>
+            <a:r>
+              <a:rPr lang="de-DE" dirty="0" err="1"/>
+              <a:t>Toolchain</a:t>
+            </a:r>
+            <a:r>
+              <a:rPr lang="de-DE" dirty="0"/>
+              <a:t> am PC</a:t>
+            </a:r>
+          </a:p>
+          <a:p>
+            <a:pPr marL="171450" indent="-171450">
+              <a:buFontTx/>
+              <a:buChar char="-"/>
+            </a:pPr>
+            <a:r>
+              <a:rPr lang="de-DE" dirty="0"/>
+              <a:t>WiFi Modul</a:t>
+            </a:r>
+          </a:p>
+          <a:p>
+            <a:pPr marL="171450" indent="-171450">
+              <a:buFontTx/>
+              <a:buChar char="-"/>
+            </a:pPr>
+            <a:r>
+              <a:rPr lang="de-DE" dirty="0" err="1"/>
+              <a:t>Servo</a:t>
+            </a:r>
+            <a:r>
+              <a:rPr lang="de-DE" dirty="0"/>
+              <a:t> Motoren</a:t>
+            </a:r>
+          </a:p>
+          <a:p>
+            <a:pPr marL="171450" indent="-171450">
+              <a:buFontTx/>
+              <a:buChar char="-"/>
+            </a:pPr>
+            <a:endParaRPr lang="de-DE" dirty="0"/>
           </a:p>
           <a:p>
             <a:pPr marL="0" indent="0">
               <a:buFontTx/>
               <a:buNone/>
             </a:pPr>
+            <a:r>
+              <a:rPr lang="de-DE" dirty="0"/>
+              <a:t>Steuerplatine:</a:t>
+            </a:r>
+          </a:p>
+          <a:p>
+            <a:pPr marL="171450" indent="-171450">
+              <a:buFontTx/>
+              <a:buChar char="-"/>
+            </a:pPr>
+            <a:r>
+              <a:rPr lang="de-DE" dirty="0"/>
+              <a:t>Custom entwickelte Platine</a:t>
+            </a:r>
+          </a:p>
+          <a:p>
+            <a:pPr marL="171450" marR="0" lvl="0" indent="-171450" algn="l" defTabSz="914400" rtl="0" eaLnBrk="1" fontAlgn="auto" latinLnBrk="0" hangingPunct="1">
+              <a:lnSpc>
+                <a:spcPct val="100000"/>
+              </a:lnSpc>
+              <a:spcBef>
+                <a:spcPts val="0"/>
+              </a:spcBef>
+              <a:spcAft>
+                <a:spcPts val="0"/>
+              </a:spcAft>
+              <a:buClrTx/>
+              <a:buSzTx/>
+              <a:buFontTx/>
+              <a:buChar char="-"/>
+              <a:tabLst/>
+              <a:defRPr/>
+            </a:pPr>
+            <a:r>
+              <a:rPr lang="de-DE" dirty="0"/>
+              <a:t>Prozessor: </a:t>
+            </a:r>
+            <a:r>
+              <a:rPr lang="de-DE" sz="1200" kern="1200" dirty="0">
+                <a:solidFill>
+                  <a:schemeClr val="tx1"/>
+                </a:solidFill>
+                <a:effectLst/>
+                <a:latin typeface="+mn-lt"/>
+                <a:ea typeface="+mn-ea"/>
+                <a:cs typeface="+mn-cs"/>
+              </a:rPr>
+              <a:t>STM32F405RG – 32bit Arm </a:t>
+            </a:r>
+            <a:r>
+              <a:rPr lang="de-DE" sz="1200" kern="1200" dirty="0" err="1">
+                <a:solidFill>
+                  <a:schemeClr val="tx1"/>
+                </a:solidFill>
+                <a:effectLst/>
+                <a:latin typeface="+mn-lt"/>
+                <a:ea typeface="+mn-ea"/>
+                <a:cs typeface="+mn-cs"/>
+              </a:rPr>
+              <a:t>Processor</a:t>
+            </a:r>
+            <a:endParaRPr lang="de-DE" sz="1200" kern="1200" dirty="0">
+              <a:solidFill>
+                <a:schemeClr val="tx1"/>
+              </a:solidFill>
+              <a:effectLst/>
+              <a:latin typeface="+mn-lt"/>
+              <a:ea typeface="+mn-ea"/>
+              <a:cs typeface="+mn-cs"/>
+            </a:endParaRPr>
+          </a:p>
+          <a:p>
+            <a:pPr marL="171450" marR="0" lvl="0" indent="-171450" algn="l" defTabSz="914400" rtl="0" eaLnBrk="1" fontAlgn="auto" latinLnBrk="0" hangingPunct="1">
+              <a:lnSpc>
+                <a:spcPct val="100000"/>
+              </a:lnSpc>
+              <a:spcBef>
+                <a:spcPts val="0"/>
+              </a:spcBef>
+              <a:spcAft>
+                <a:spcPts val="0"/>
+              </a:spcAft>
+              <a:buClrTx/>
+              <a:buSzTx/>
+              <a:buFontTx/>
+              <a:buChar char="-"/>
+              <a:tabLst/>
+              <a:defRPr/>
+            </a:pPr>
+            <a:r>
+              <a:rPr lang="de-DE" sz="1200" kern="1200" dirty="0">
+                <a:solidFill>
+                  <a:schemeClr val="tx1"/>
+                </a:solidFill>
+                <a:effectLst/>
+                <a:latin typeface="+mn-lt"/>
+                <a:ea typeface="+mn-ea"/>
+                <a:cs typeface="+mn-cs"/>
+              </a:rPr>
+              <a:t>BLE Chip –unbenutzt</a:t>
+            </a:r>
+          </a:p>
+          <a:p>
+            <a:pPr marL="171450" marR="0" lvl="0" indent="-171450" algn="l" defTabSz="914400" rtl="0" eaLnBrk="1" fontAlgn="auto" latinLnBrk="0" hangingPunct="1">
+              <a:lnSpc>
+                <a:spcPct val="100000"/>
+              </a:lnSpc>
+              <a:spcBef>
+                <a:spcPts val="0"/>
+              </a:spcBef>
+              <a:spcAft>
+                <a:spcPts val="0"/>
+              </a:spcAft>
+              <a:buClrTx/>
+              <a:buSzTx/>
+              <a:buFontTx/>
+              <a:buChar char="-"/>
+              <a:tabLst/>
+              <a:defRPr/>
+            </a:pPr>
+            <a:r>
+              <a:rPr lang="de-DE" sz="1200" kern="1200" dirty="0">
+                <a:solidFill>
+                  <a:schemeClr val="tx1"/>
+                </a:solidFill>
+                <a:effectLst/>
+                <a:latin typeface="+mn-lt"/>
+                <a:ea typeface="+mn-ea"/>
+                <a:cs typeface="+mn-cs"/>
+              </a:rPr>
+              <a:t>MPU 6050 –unbenutzt (</a:t>
+            </a:r>
+            <a:r>
+              <a:rPr lang="de-DE" sz="1200" kern="1200" dirty="0" err="1">
+                <a:solidFill>
+                  <a:schemeClr val="tx1"/>
+                </a:solidFill>
+                <a:effectLst/>
+                <a:latin typeface="+mn-lt"/>
+                <a:ea typeface="+mn-ea"/>
+                <a:cs typeface="+mn-cs"/>
+              </a:rPr>
+              <a:t>gyro</a:t>
+            </a:r>
+            <a:r>
+              <a:rPr lang="de-DE" sz="1200" kern="1200" dirty="0">
+                <a:solidFill>
+                  <a:schemeClr val="tx1"/>
+                </a:solidFill>
+                <a:effectLst/>
+                <a:latin typeface="+mn-lt"/>
+                <a:ea typeface="+mn-ea"/>
+                <a:cs typeface="+mn-cs"/>
+              </a:rPr>
+              <a:t>, </a:t>
+            </a:r>
+            <a:r>
+              <a:rPr lang="de-DE" sz="1200" kern="1200" dirty="0" err="1">
+                <a:solidFill>
+                  <a:schemeClr val="tx1"/>
+                </a:solidFill>
+                <a:effectLst/>
+                <a:latin typeface="+mn-lt"/>
+                <a:ea typeface="+mn-ea"/>
+                <a:cs typeface="+mn-cs"/>
+              </a:rPr>
+              <a:t>beschl.</a:t>
+            </a:r>
+            <a:r>
+              <a:rPr lang="de-DE" sz="1200" kern="1200" dirty="0">
+                <a:solidFill>
+                  <a:schemeClr val="tx1"/>
+                </a:solidFill>
+                <a:effectLst/>
+                <a:latin typeface="+mn-lt"/>
+                <a:ea typeface="+mn-ea"/>
+                <a:cs typeface="+mn-cs"/>
+              </a:rPr>
+              <a:t> Motion </a:t>
+            </a:r>
+            <a:r>
+              <a:rPr lang="de-DE" sz="1200" kern="1200" dirty="0" err="1">
+                <a:solidFill>
+                  <a:schemeClr val="tx1"/>
+                </a:solidFill>
+                <a:effectLst/>
+                <a:latin typeface="+mn-lt"/>
+                <a:ea typeface="+mn-ea"/>
+                <a:cs typeface="+mn-cs"/>
+              </a:rPr>
+              <a:t>Processo</a:t>
+            </a:r>
+            <a:r>
+              <a:rPr lang="de-DE" sz="1200" kern="1200" dirty="0">
+                <a:solidFill>
+                  <a:schemeClr val="tx1"/>
+                </a:solidFill>
+                <a:effectLst/>
+                <a:latin typeface="+mn-lt"/>
+                <a:ea typeface="+mn-ea"/>
+                <a:cs typeface="+mn-cs"/>
+              </a:rPr>
+              <a:t>)</a:t>
+            </a:r>
+          </a:p>
+          <a:p>
+            <a:pPr marL="171450" marR="0" lvl="0" indent="-171450" algn="l" defTabSz="914400" rtl="0" eaLnBrk="1" fontAlgn="auto" latinLnBrk="0" hangingPunct="1">
+              <a:lnSpc>
+                <a:spcPct val="100000"/>
+              </a:lnSpc>
+              <a:spcBef>
+                <a:spcPts val="0"/>
+              </a:spcBef>
+              <a:spcAft>
+                <a:spcPts val="0"/>
+              </a:spcAft>
+              <a:buClrTx/>
+              <a:buSzTx/>
+              <a:buFontTx/>
+              <a:buChar char="-"/>
+              <a:tabLst/>
+              <a:defRPr/>
+            </a:pPr>
+            <a:r>
+              <a:rPr lang="de-DE" sz="1200" kern="1200" dirty="0">
+                <a:solidFill>
+                  <a:schemeClr val="tx1"/>
+                </a:solidFill>
+                <a:effectLst/>
+                <a:latin typeface="+mn-lt"/>
+                <a:ea typeface="+mn-ea"/>
+                <a:cs typeface="+mn-cs"/>
+              </a:rPr>
+              <a:t>User-LEDs</a:t>
+            </a:r>
+          </a:p>
+          <a:p>
+            <a:pPr marL="171450" marR="0" lvl="0" indent="-171450" algn="l" defTabSz="914400" rtl="0" eaLnBrk="1" fontAlgn="auto" latinLnBrk="0" hangingPunct="1">
+              <a:lnSpc>
+                <a:spcPct val="100000"/>
+              </a:lnSpc>
+              <a:spcBef>
+                <a:spcPts val="0"/>
+              </a:spcBef>
+              <a:spcAft>
+                <a:spcPts val="0"/>
+              </a:spcAft>
+              <a:buClrTx/>
+              <a:buSzTx/>
+              <a:buFontTx/>
+              <a:buChar char="-"/>
+              <a:tabLst/>
+              <a:defRPr/>
+            </a:pPr>
+            <a:r>
+              <a:rPr lang="de-DE" sz="1200" kern="1200" dirty="0">
+                <a:solidFill>
+                  <a:schemeClr val="tx1"/>
+                </a:solidFill>
+                <a:effectLst/>
+                <a:latin typeface="+mn-lt"/>
+                <a:ea typeface="+mn-ea"/>
+                <a:cs typeface="+mn-cs"/>
+              </a:rPr>
+              <a:t>4 UART </a:t>
+            </a:r>
+            <a:r>
+              <a:rPr lang="de-DE" sz="1200" kern="1200" dirty="0" err="1">
+                <a:solidFill>
+                  <a:schemeClr val="tx1"/>
+                </a:solidFill>
+                <a:effectLst/>
+                <a:latin typeface="+mn-lt"/>
+                <a:ea typeface="+mn-ea"/>
+                <a:cs typeface="+mn-cs"/>
+              </a:rPr>
+              <a:t>header</a:t>
+            </a:r>
+            <a:r>
+              <a:rPr lang="de-DE" sz="1200" kern="1200" dirty="0">
+                <a:solidFill>
+                  <a:schemeClr val="tx1"/>
+                </a:solidFill>
+                <a:effectLst/>
+                <a:latin typeface="+mn-lt"/>
+                <a:ea typeface="+mn-ea"/>
+                <a:cs typeface="+mn-cs"/>
+              </a:rPr>
+              <a:t> für </a:t>
+            </a:r>
+            <a:r>
+              <a:rPr lang="de-DE" sz="1200" kern="1200" dirty="0" err="1">
+                <a:solidFill>
+                  <a:schemeClr val="tx1"/>
+                </a:solidFill>
+                <a:effectLst/>
+                <a:latin typeface="+mn-lt"/>
+                <a:ea typeface="+mn-ea"/>
+                <a:cs typeface="+mn-cs"/>
+              </a:rPr>
+              <a:t>Servos</a:t>
+            </a:r>
+            <a:endParaRPr lang="de-DE" sz="1200" kern="1200" dirty="0">
+              <a:solidFill>
+                <a:schemeClr val="tx1"/>
+              </a:solidFill>
+              <a:effectLst/>
+              <a:latin typeface="+mn-lt"/>
+              <a:ea typeface="+mn-ea"/>
+              <a:cs typeface="+mn-cs"/>
+            </a:endParaRPr>
+          </a:p>
+          <a:p>
+            <a:pPr marL="171450" marR="0" lvl="0" indent="-171450" algn="l" defTabSz="914400" rtl="0" eaLnBrk="1" fontAlgn="auto" latinLnBrk="0" hangingPunct="1">
+              <a:lnSpc>
+                <a:spcPct val="100000"/>
+              </a:lnSpc>
+              <a:spcBef>
+                <a:spcPts val="0"/>
+              </a:spcBef>
+              <a:spcAft>
+                <a:spcPts val="0"/>
+              </a:spcAft>
+              <a:buClrTx/>
+              <a:buSzTx/>
+              <a:buFontTx/>
+              <a:buChar char="-"/>
+              <a:tabLst/>
+              <a:defRPr/>
+            </a:pPr>
+            <a:r>
+              <a:rPr lang="de-DE" dirty="0"/>
+              <a:t>1 UART für BLE bzw. WiFi Modul</a:t>
+            </a:r>
+          </a:p>
+          <a:p>
+            <a:pPr marL="171450" indent="-171450">
+              <a:buFontTx/>
+              <a:buChar char="-"/>
+            </a:pPr>
+            <a:r>
+              <a:rPr lang="de-DE" dirty="0" err="1"/>
+              <a:t>Debug</a:t>
+            </a:r>
+            <a:r>
+              <a:rPr lang="de-DE" dirty="0"/>
+              <a:t> </a:t>
+            </a:r>
+            <a:r>
+              <a:rPr lang="de-DE" dirty="0" err="1"/>
+              <a:t>header</a:t>
+            </a:r>
             <a:endParaRPr lang="de-DE" dirty="0"/>
-          </a:p>
-          <a:p>
-            <a:pPr marL="0" indent="0">
-              <a:buFontTx/>
-              <a:buNone/>
-            </a:pPr>
-            <a:r>
-              <a:rPr lang="de-DE" dirty="0" err="1"/>
-              <a:t>Toolchain</a:t>
-            </a:r>
-            <a:r>
-              <a:rPr lang="de-DE" dirty="0"/>
-              <a:t>:</a:t>
-            </a:r>
-          </a:p>
-          <a:p>
-            <a:pPr marL="171450" indent="-171450">
-              <a:buFont typeface="Arial" panose="020B0604020202020204" pitchFamily="34" charset="0"/>
-              <a:buChar char="•"/>
-            </a:pPr>
-            <a:r>
-              <a:rPr lang="de-DE" dirty="0"/>
-              <a:t>STM32CubeMX: Generierung des Standardcode (Startup, Modul </a:t>
-            </a:r>
-            <a:r>
-              <a:rPr lang="de-DE" dirty="0" err="1"/>
-              <a:t>initialisierung</a:t>
-            </a:r>
-            <a:r>
-              <a:rPr lang="de-DE" dirty="0"/>
-              <a:t>, etc.) ähnlich zu DAVE bei xe169</a:t>
-            </a:r>
-          </a:p>
-          <a:p>
-            <a:pPr marL="171450" indent="-171450">
-              <a:buFont typeface="Arial" panose="020B0604020202020204" pitchFamily="34" charset="0"/>
-              <a:buChar char="•"/>
-            </a:pPr>
-            <a:r>
-              <a:rPr lang="de-DE" dirty="0"/>
-              <a:t>IDE: </a:t>
-            </a:r>
-            <a:r>
-              <a:rPr lang="de-DE" dirty="0" err="1"/>
-              <a:t>visual</a:t>
-            </a:r>
-            <a:r>
-              <a:rPr lang="de-DE" dirty="0"/>
-              <a:t> </a:t>
-            </a:r>
-            <a:r>
-              <a:rPr lang="de-DE" dirty="0" err="1"/>
-              <a:t>studio</a:t>
-            </a:r>
-            <a:r>
-              <a:rPr lang="de-DE" dirty="0"/>
-              <a:t> </a:t>
-            </a:r>
-            <a:r>
-              <a:rPr lang="de-DE" dirty="0" err="1"/>
-              <a:t>code</a:t>
-            </a:r>
-            <a:r>
-              <a:rPr lang="de-DE" dirty="0"/>
-              <a:t> + Cortex </a:t>
-            </a:r>
-            <a:r>
-              <a:rPr lang="de-DE" dirty="0" err="1"/>
-              <a:t>debug</a:t>
-            </a:r>
-            <a:r>
-              <a:rPr lang="de-DE" dirty="0"/>
-              <a:t> </a:t>
-            </a:r>
-            <a:r>
-              <a:rPr lang="de-DE" dirty="0" err="1"/>
-              <a:t>addon</a:t>
-            </a:r>
-            <a:endParaRPr lang="de-DE" dirty="0"/>
-          </a:p>
-          <a:p>
-            <a:pPr marL="628650" lvl="1" indent="-171450">
-              <a:buFont typeface="Arial" panose="020B0604020202020204" pitchFamily="34" charset="0"/>
-              <a:buChar char="•"/>
-            </a:pPr>
-            <a:r>
-              <a:rPr lang="de-DE" dirty="0"/>
-              <a:t>Gnu </a:t>
-            </a:r>
-            <a:r>
-              <a:rPr lang="de-DE" dirty="0" err="1"/>
-              <a:t>make</a:t>
-            </a:r>
-            <a:r>
-              <a:rPr lang="de-DE" dirty="0"/>
-              <a:t> zum </a:t>
-            </a:r>
-            <a:r>
-              <a:rPr lang="de-DE" dirty="0" err="1"/>
-              <a:t>compilieren</a:t>
-            </a:r>
-            <a:endParaRPr lang="de-DE" dirty="0"/>
-          </a:p>
-          <a:p>
-            <a:pPr marL="628650" lvl="1" indent="-171450">
-              <a:buFont typeface="Arial" panose="020B0604020202020204" pitchFamily="34" charset="0"/>
-              <a:buChar char="•"/>
-            </a:pPr>
-            <a:r>
-              <a:rPr lang="de-DE" dirty="0" err="1"/>
-              <a:t>Addon</a:t>
-            </a:r>
-            <a:r>
-              <a:rPr lang="de-DE" dirty="0"/>
-              <a:t> bietet Konfiguration zur Debugging Schnittstelle: </a:t>
-            </a:r>
-            <a:r>
-              <a:rPr lang="de-DE" dirty="0" err="1"/>
-              <a:t>j</a:t>
-            </a:r>
-            <a:r>
-              <a:rPr lang="de-DE" dirty="0"/>
-              <a:t>-link </a:t>
-            </a:r>
-            <a:r>
-              <a:rPr lang="de-DE" dirty="0" err="1"/>
-              <a:t>software</a:t>
-            </a:r>
-            <a:r>
-              <a:rPr lang="de-DE" dirty="0"/>
-              <a:t> wählen etc.</a:t>
-            </a:r>
-          </a:p>
-          <a:p>
-            <a:pPr marL="628650" lvl="1" indent="-171450">
-              <a:buFont typeface="Arial" panose="020B0604020202020204" pitchFamily="34" charset="0"/>
-              <a:buChar char="•"/>
-            </a:pPr>
-            <a:r>
-              <a:rPr lang="de-DE" dirty="0" err="1"/>
-              <a:t>Addon</a:t>
-            </a:r>
-            <a:r>
-              <a:rPr lang="de-DE" dirty="0"/>
-              <a:t> bietet: Breakpoints, </a:t>
-            </a:r>
-            <a:r>
-              <a:rPr lang="de-DE" dirty="0" err="1"/>
-              <a:t>Stepping</a:t>
-            </a:r>
-            <a:r>
-              <a:rPr lang="de-DE" dirty="0"/>
-              <a:t>, SFRs auslesen…</a:t>
-            </a:r>
           </a:p>
         </p:txBody>
       </p:sp>
@@ -1219,7 +1072,7 @@
           <a:p>
             <a:fld id="{0194AACC-7DFA-4861-8E9F-6A38B02C3BDD}" type="slidenum">
               <a:rPr lang="de-DE" smtClean="0"/>
-              <a:t>3</a:t>
+              <a:t>2</a:t>
             </a:fld>
             <a:endParaRPr lang="de-DE"/>
           </a:p>
@@ -1228,7 +1081,7 @@
     </p:spTree>
     <p:extLst>
       <p:ext uri="{BB962C8B-B14F-4D97-AF65-F5344CB8AC3E}">
-        <p14:creationId xmlns:p14="http://schemas.microsoft.com/office/powerpoint/2010/main" val="337852954"/>
+        <p14:creationId xmlns:p14="http://schemas.microsoft.com/office/powerpoint/2010/main" val="2019420829"/>
       </p:ext>
     </p:extLst>
   </p:cSld>
@@ -1288,48 +1141,168 @@
             </a:pPr>
             <a:r>
               <a:rPr lang="de-DE" dirty="0"/>
-              <a:t>Wifi Modul auf UART </a:t>
-            </a:r>
+              <a:t>Debugger per JTAG</a:t>
+            </a:r>
+          </a:p>
+          <a:p>
+            <a:pPr marL="0" indent="0">
+              <a:buFontTx/>
+              <a:buNone/>
+            </a:pPr>
+            <a:endParaRPr lang="de-DE" dirty="0"/>
+          </a:p>
+          <a:p>
+            <a:pPr marL="0" indent="0">
+              <a:buFontTx/>
+              <a:buNone/>
+            </a:pPr>
             <a:r>
               <a:rPr lang="de-DE" dirty="0" err="1"/>
-              <a:t>header</a:t>
+              <a:t>Toolchain</a:t>
+            </a:r>
+            <a:r>
+              <a:rPr lang="de-DE" dirty="0"/>
+              <a:t>:</a:t>
+            </a:r>
+          </a:p>
+          <a:p>
+            <a:pPr marL="171450" indent="-171450">
+              <a:buFont typeface="Arial" panose="020B0604020202020204" pitchFamily="34" charset="0"/>
+              <a:buChar char="•"/>
+            </a:pPr>
+            <a:r>
+              <a:rPr lang="de-DE" dirty="0"/>
+              <a:t>STM32CubeMX: Generierung des Standardcode (Startup, Modul </a:t>
+            </a:r>
+            <a:r>
+              <a:rPr lang="de-DE" dirty="0" err="1"/>
+              <a:t>initialisierung</a:t>
+            </a:r>
+            <a:r>
+              <a:rPr lang="de-DE" dirty="0"/>
+              <a:t>, etc.) ähnlich zu DAVE bei xe169</a:t>
+            </a:r>
+          </a:p>
+          <a:p>
+            <a:pPr marL="171450" indent="-171450">
+              <a:buFont typeface="Arial" panose="020B0604020202020204" pitchFamily="34" charset="0"/>
+              <a:buChar char="•"/>
+            </a:pPr>
+            <a:r>
+              <a:rPr lang="de-DE" dirty="0"/>
+              <a:t>IDE: </a:t>
+            </a:r>
+            <a:r>
+              <a:rPr lang="de-DE" dirty="0" err="1"/>
+              <a:t>visual</a:t>
+            </a:r>
+            <a:r>
+              <a:rPr lang="de-DE" dirty="0"/>
+              <a:t> </a:t>
+            </a:r>
+            <a:r>
+              <a:rPr lang="de-DE" dirty="0" err="1"/>
+              <a:t>studio</a:t>
+            </a:r>
+            <a:r>
+              <a:rPr lang="de-DE" dirty="0"/>
+              <a:t> </a:t>
+            </a:r>
+            <a:r>
+              <a:rPr lang="de-DE" dirty="0" err="1"/>
+              <a:t>code</a:t>
+            </a:r>
+            <a:r>
+              <a:rPr lang="de-DE" dirty="0"/>
+              <a:t> + Cortex </a:t>
+            </a:r>
+            <a:r>
+              <a:rPr lang="de-DE" dirty="0" err="1"/>
+              <a:t>debug</a:t>
+            </a:r>
+            <a:r>
+              <a:rPr lang="de-DE" dirty="0"/>
+              <a:t> </a:t>
+            </a:r>
+            <a:r>
+              <a:rPr lang="de-DE" dirty="0" err="1"/>
+              <a:t>addon</a:t>
             </a:r>
             <a:endParaRPr lang="de-DE" dirty="0"/>
           </a:p>
           <a:p>
-            <a:pPr marL="171450" indent="-171450">
-              <a:buFontTx/>
-              <a:buChar char="-"/>
+            <a:pPr marL="628650" lvl="1" indent="-171450">
+              <a:buFont typeface="Arial" panose="020B0604020202020204" pitchFamily="34" charset="0"/>
+              <a:buChar char="•"/>
             </a:pPr>
             <a:r>
               <a:rPr lang="de-DE" dirty="0"/>
-              <a:t>Header eigentlich zum brücken der Verbindung </a:t>
+              <a:t>Gnu </a:t>
             </a:r>
             <a:r>
               <a:rPr lang="de-DE" dirty="0" err="1"/>
-              <a:t>zw</a:t>
-            </a:r>
-            <a:r>
-              <a:rPr lang="de-DE" dirty="0"/>
-              <a:t> MC und BLE </a:t>
+              <a:t>make</a:t>
+            </a:r>
+            <a:r>
+              <a:rPr lang="de-DE" dirty="0"/>
+              <a:t> zum </a:t>
             </a:r>
             <a:r>
               <a:rPr lang="de-DE" dirty="0" err="1"/>
-              <a:t>modul</a:t>
-            </a:r>
-            <a:r>
-              <a:rPr lang="de-DE" dirty="0"/>
-              <a:t> gedacht</a:t>
-            </a:r>
-          </a:p>
-          <a:p>
-            <a:pPr marL="171450" indent="-171450">
-              <a:buFontTx/>
-              <a:buChar char="-"/>
+              <a:t>compilieren</a:t>
+            </a:r>
+            <a:endParaRPr lang="de-DE" dirty="0"/>
+          </a:p>
+          <a:p>
+            <a:pPr marL="628650" lvl="1" indent="-171450">
+              <a:buFont typeface="Arial" panose="020B0604020202020204" pitchFamily="34" charset="0"/>
+              <a:buChar char="•"/>
             </a:pPr>
             <a:r>
-              <a:rPr lang="de-DE" dirty="0"/>
-              <a:t>Header hat zu kleine Pitch -&gt; anlöten der Kabel</a:t>
+              <a:rPr lang="de-DE" dirty="0" err="1"/>
+              <a:t>Addon</a:t>
+            </a:r>
+            <a:r>
+              <a:rPr lang="de-DE" dirty="0"/>
+              <a:t> bietet Konfiguration zur Debugging Schnittstelle: </a:t>
+            </a:r>
+            <a:r>
+              <a:rPr lang="de-DE" dirty="0" err="1"/>
+              <a:t>j</a:t>
+            </a:r>
+            <a:r>
+              <a:rPr lang="de-DE" dirty="0"/>
+              <a:t>-link </a:t>
+            </a:r>
+            <a:r>
+              <a:rPr lang="de-DE" dirty="0" err="1"/>
+              <a:t>software</a:t>
+            </a:r>
+            <a:r>
+              <a:rPr lang="de-DE" dirty="0"/>
+              <a:t> wählen etc.</a:t>
+            </a:r>
+          </a:p>
+          <a:p>
+            <a:pPr marL="628650" lvl="1" indent="-171450">
+              <a:buFont typeface="Arial" panose="020B0604020202020204" pitchFamily="34" charset="0"/>
+              <a:buChar char="•"/>
+            </a:pPr>
+            <a:r>
+              <a:rPr lang="de-DE" dirty="0" err="1"/>
+              <a:t>Addon</a:t>
+            </a:r>
+            <a:r>
+              <a:rPr lang="de-DE" dirty="0"/>
+              <a:t> bietet: Breakpoints, </a:t>
+            </a:r>
+            <a:r>
+              <a:rPr lang="de-DE" dirty="0" err="1"/>
+              <a:t>Stepping</a:t>
+            </a:r>
+            <a:r>
+              <a:rPr lang="de-DE" dirty="0"/>
+              <a:t>, SFRs auslesen…</a:t>
             </a:r>
           </a:p>
         </p:txBody>
@@ -1351,7 +1324,7 @@
           <a:p>
             <a:fld id="{0194AACC-7DFA-4861-8E9F-6A38B02C3BDD}" type="slidenum">
               <a:rPr lang="de-DE" smtClean="0"/>
-              <a:t>4</a:t>
+              <a:t>3</a:t>
             </a:fld>
             <a:endParaRPr lang="de-DE"/>
           </a:p>
@@ -1360,7 +1333,7 @@
     </p:spTree>
     <p:extLst>
       <p:ext uri="{BB962C8B-B14F-4D97-AF65-F5344CB8AC3E}">
-        <p14:creationId xmlns:p14="http://schemas.microsoft.com/office/powerpoint/2010/main" val="580507283"/>
+        <p14:creationId xmlns:p14="http://schemas.microsoft.com/office/powerpoint/2010/main" val="337852954"/>
       </p:ext>
     </p:extLst>
   </p:cSld>
@@ -1420,15 +1393,49 @@
             </a:pPr>
             <a:r>
               <a:rPr lang="de-DE" dirty="0"/>
-              <a:t>Keine Ansteuerung des Moduls</a:t>
-            </a:r>
+              <a:t>Wifi Modul auf UART </a:t>
+            </a:r>
+            <a:r>
+              <a:rPr lang="de-DE" dirty="0" err="1"/>
+              <a:t>header</a:t>
+            </a:r>
+            <a:endParaRPr lang="de-DE" dirty="0"/>
           </a:p>
           <a:p>
             <a:pPr marL="171450" indent="-171450">
               <a:buFontTx/>
               <a:buChar char="-"/>
             </a:pPr>
-            <a:endParaRPr lang="de-DE" dirty="0"/>
+            <a:r>
+              <a:rPr lang="de-DE" dirty="0"/>
+              <a:t>Header eigentlich zum brücken der Verbindung </a:t>
+            </a:r>
+            <a:r>
+              <a:rPr lang="de-DE" dirty="0" err="1"/>
+              <a:t>zw</a:t>
+            </a:r>
+            <a:r>
+              <a:rPr lang="de-DE" dirty="0"/>
+              <a:t> MC und BLE </a:t>
+            </a:r>
+            <a:r>
+              <a:rPr lang="de-DE" dirty="0" err="1"/>
+              <a:t>modul</a:t>
+            </a:r>
+            <a:r>
+              <a:rPr lang="de-DE" dirty="0"/>
+              <a:t> gedacht</a:t>
+            </a:r>
+          </a:p>
+          <a:p>
+            <a:pPr marL="171450" indent="-171450">
+              <a:buFontTx/>
+              <a:buChar char="-"/>
+            </a:pPr>
+            <a:r>
+              <a:rPr lang="de-DE" dirty="0"/>
+              <a:t>Header hat zu kleine Pitch -&gt; anlöten der Kabel</a:t>
+            </a:r>
           </a:p>
         </p:txBody>
       </p:sp>
@@ -1449,7 +1456,7 @@
           <a:p>
             <a:fld id="{0194AACC-7DFA-4861-8E9F-6A38B02C3BDD}" type="slidenum">
               <a:rPr lang="de-DE" smtClean="0"/>
-              <a:t>5</a:t>
+              <a:t>4</a:t>
             </a:fld>
             <a:endParaRPr lang="de-DE"/>
           </a:p>
@@ -1458,7 +1465,7 @@
     </p:spTree>
     <p:extLst>
       <p:ext uri="{BB962C8B-B14F-4D97-AF65-F5344CB8AC3E}">
-        <p14:creationId xmlns:p14="http://schemas.microsoft.com/office/powerpoint/2010/main" val="4181365296"/>
+        <p14:creationId xmlns:p14="http://schemas.microsoft.com/office/powerpoint/2010/main" val="580507283"/>
       </p:ext>
     </p:extLst>
   </p:cSld>
@@ -1512,217 +1519,21 @@
           <a:bodyPr/>
           <a:lstStyle/>
           <a:p>
-            <a:pPr marL="0" indent="0">
+            <a:pPr marL="171450" indent="-171450">
               <a:buFontTx/>
-              <a:buNone/>
+              <a:buChar char="-"/>
             </a:pPr>
             <a:r>
-              <a:rPr lang="de-DE" dirty="0" err="1"/>
-              <a:t>Servo</a:t>
-            </a:r>
-            <a:r>
-              <a:rPr lang="de-DE" dirty="0"/>
-              <a:t> Motor:</a:t>
-            </a:r>
-          </a:p>
-          <a:p>
-            <a:pPr marL="171450" marR="0" lvl="0" indent="-171450" algn="l" defTabSz="914400" rtl="0" eaLnBrk="1" fontAlgn="auto" latinLnBrk="0" hangingPunct="1">
-              <a:lnSpc>
-                <a:spcPct val="100000"/>
-              </a:lnSpc>
-              <a:spcBef>
-                <a:spcPts val="0"/>
-              </a:spcBef>
-              <a:spcAft>
-                <a:spcPts val="0"/>
-              </a:spcAft>
-              <a:buClrTx/>
-              <a:buSzTx/>
-              <a:buFont typeface="Arial" panose="020B0604020202020204" pitchFamily="34" charset="0"/>
-              <a:buChar char="•"/>
-              <a:tabLst/>
-              <a:defRPr/>
-            </a:pPr>
-            <a:r>
-              <a:rPr lang="de-DE" sz="1200" kern="1200" dirty="0">
-                <a:solidFill>
-                  <a:schemeClr val="tx1"/>
-                </a:solidFill>
-                <a:effectLst/>
-                <a:latin typeface="+mn-lt"/>
-                <a:ea typeface="+mn-ea"/>
-                <a:cs typeface="+mn-cs"/>
-              </a:rPr>
-              <a:t>HSR-8498HB </a:t>
-            </a:r>
-          </a:p>
-          <a:p>
-            <a:pPr marL="171450" marR="0" lvl="0" indent="-171450" algn="l" defTabSz="914400" rtl="0" eaLnBrk="1" fontAlgn="auto" latinLnBrk="0" hangingPunct="1">
-              <a:lnSpc>
-                <a:spcPct val="100000"/>
-              </a:lnSpc>
-              <a:spcBef>
-                <a:spcPts val="0"/>
-              </a:spcBef>
-              <a:spcAft>
-                <a:spcPts val="0"/>
-              </a:spcAft>
-              <a:buClrTx/>
-              <a:buSzTx/>
-              <a:buFont typeface="Arial" panose="020B0604020202020204" pitchFamily="34" charset="0"/>
-              <a:buChar char="•"/>
-              <a:tabLst/>
-              <a:defRPr/>
-            </a:pPr>
-            <a:r>
-              <a:rPr lang="de-DE" sz="1200" kern="1200" dirty="0" err="1">
-                <a:solidFill>
-                  <a:schemeClr val="tx1"/>
-                </a:solidFill>
-                <a:effectLst/>
-                <a:latin typeface="+mn-lt"/>
-                <a:ea typeface="+mn-ea"/>
-                <a:cs typeface="+mn-cs"/>
-              </a:rPr>
-              <a:t>Ca</a:t>
-            </a:r>
-            <a:r>
-              <a:rPr lang="de-DE" sz="1200" kern="1200" dirty="0">
-                <a:solidFill>
-                  <a:schemeClr val="tx1"/>
-                </a:solidFill>
-                <a:effectLst/>
-                <a:latin typeface="+mn-lt"/>
-                <a:ea typeface="+mn-ea"/>
-                <a:cs typeface="+mn-cs"/>
-              </a:rPr>
-              <a:t> 180-190 Grad </a:t>
-            </a:r>
-            <a:r>
-              <a:rPr lang="de-DE" sz="1200" kern="1200" dirty="0" err="1">
-                <a:solidFill>
-                  <a:schemeClr val="tx1"/>
-                </a:solidFill>
-                <a:effectLst/>
-                <a:latin typeface="+mn-lt"/>
-                <a:ea typeface="+mn-ea"/>
-                <a:cs typeface="+mn-cs"/>
-              </a:rPr>
-              <a:t>steuerwinkel</a:t>
-            </a:r>
-            <a:endParaRPr lang="de-DE" dirty="0"/>
+              <a:rPr lang="de-DE" dirty="0"/>
+              <a:t>Keine Ansteuerung des Moduls</a:t>
+            </a:r>
           </a:p>
           <a:p>
             <a:pPr marL="171450" indent="-171450">
-              <a:buFont typeface="Arial" panose="020B0604020202020204" pitchFamily="34" charset="0"/>
-              <a:buChar char="•"/>
-            </a:pPr>
-            <a:r>
-              <a:rPr lang="de-DE" dirty="0"/>
-              <a:t>MC wurde durch </a:t>
-            </a:r>
-            <a:r>
-              <a:rPr lang="de-DE" dirty="0" err="1"/>
-              <a:t>Atmega</a:t>
-            </a:r>
-            <a:r>
-              <a:rPr lang="de-DE" dirty="0"/>
-              <a:t> 328P ersetzt -&gt; eigenes Protokoll</a:t>
-            </a:r>
-          </a:p>
-          <a:p>
-            <a:pPr marL="171450" indent="-171450">
-              <a:buFont typeface="Arial" panose="020B0604020202020204" pitchFamily="34" charset="0"/>
-              <a:buChar char="•"/>
-            </a:pPr>
-            <a:r>
-              <a:rPr lang="de-DE" dirty="0"/>
-              <a:t>Wird über UART Bus angesteuert</a:t>
-            </a:r>
-          </a:p>
-          <a:p>
-            <a:pPr marL="171450" indent="-171450">
-              <a:buFont typeface="Arial" panose="020B0604020202020204" pitchFamily="34" charset="0"/>
-              <a:buChar char="•"/>
+              <a:buFontTx/>
+              <a:buChar char="-"/>
             </a:pPr>
             <a:endParaRPr lang="de-DE" dirty="0"/>
-          </a:p>
-          <a:p>
-            <a:pPr marL="0" indent="0">
-              <a:buFont typeface="Arial" panose="020B0604020202020204" pitchFamily="34" charset="0"/>
-              <a:buNone/>
-            </a:pPr>
-            <a:r>
-              <a:rPr lang="de-DE" dirty="0"/>
-              <a:t>Header:</a:t>
-            </a:r>
-          </a:p>
-          <a:p>
-            <a:pPr marL="171450" indent="-171450">
-              <a:buFont typeface="Arial" panose="020B0604020202020204" pitchFamily="34" charset="0"/>
-              <a:buChar char="•"/>
-            </a:pPr>
-            <a:r>
-              <a:rPr lang="de-DE" dirty="0"/>
-              <a:t>3 </a:t>
-            </a:r>
-            <a:r>
-              <a:rPr lang="de-DE" dirty="0" err="1"/>
-              <a:t>linien</a:t>
-            </a:r>
-            <a:r>
-              <a:rPr lang="de-DE" dirty="0"/>
-              <a:t>: GND, V, Signal</a:t>
-            </a:r>
-          </a:p>
-          <a:p>
-            <a:pPr marL="171450" indent="-171450">
-              <a:buFont typeface="Arial" panose="020B0604020202020204" pitchFamily="34" charset="0"/>
-              <a:buChar char="•"/>
-            </a:pPr>
-            <a:r>
-              <a:rPr lang="de-DE" dirty="0"/>
-              <a:t>Pro </a:t>
-            </a:r>
-            <a:r>
-              <a:rPr lang="de-DE" dirty="0" err="1"/>
-              <a:t>header</a:t>
-            </a:r>
-            <a:r>
-              <a:rPr lang="de-DE" dirty="0"/>
-              <a:t> 5 mögliche </a:t>
-            </a:r>
-            <a:r>
-              <a:rPr lang="de-DE" dirty="0" err="1"/>
-              <a:t>Servos</a:t>
-            </a:r>
-            <a:endParaRPr lang="de-DE" dirty="0"/>
-          </a:p>
-          <a:p>
-            <a:pPr marL="171450" indent="-171450">
-              <a:buFont typeface="Arial" panose="020B0604020202020204" pitchFamily="34" charset="0"/>
-              <a:buChar char="•"/>
-            </a:pPr>
-            <a:r>
-              <a:rPr lang="de-DE" dirty="0"/>
-              <a:t>1 </a:t>
-            </a:r>
-            <a:r>
-              <a:rPr lang="de-DE" dirty="0" err="1"/>
-              <a:t>header</a:t>
-            </a:r>
-            <a:r>
-              <a:rPr lang="de-DE" dirty="0"/>
-              <a:t>/</a:t>
-            </a:r>
-            <a:r>
-              <a:rPr lang="de-DE" dirty="0" err="1"/>
-              <a:t>Uart</a:t>
-            </a:r>
-            <a:r>
-              <a:rPr lang="de-DE" dirty="0"/>
-              <a:t> funktioniert nicht -&gt; wurde durch UART Splitter umgangen</a:t>
-            </a:r>
           </a:p>
         </p:txBody>
       </p:sp>
@@ -1743,7 +1554,7 @@
           <a:p>
             <a:fld id="{0194AACC-7DFA-4861-8E9F-6A38B02C3BDD}" type="slidenum">
               <a:rPr lang="de-DE" smtClean="0"/>
-              <a:t>6</a:t>
+              <a:t>5</a:t>
             </a:fld>
             <a:endParaRPr lang="de-DE"/>
           </a:p>
@@ -1752,7 +1563,7 @@
     </p:spTree>
     <p:extLst>
       <p:ext uri="{BB962C8B-B14F-4D97-AF65-F5344CB8AC3E}">
-        <p14:creationId xmlns:p14="http://schemas.microsoft.com/office/powerpoint/2010/main" val="1670772313"/>
+        <p14:creationId xmlns:p14="http://schemas.microsoft.com/office/powerpoint/2010/main" val="4181365296"/>
       </p:ext>
     </p:extLst>
   </p:cSld>
@@ -1806,10 +1617,105 @@
           <a:bodyPr/>
           <a:lstStyle/>
           <a:p>
-            <a:r>
-              <a:rPr lang="de-DE" dirty="0"/>
-              <a:t>Treiber: Seitens Steuerplatine</a:t>
-            </a:r>
+            <a:pPr marL="0" indent="0">
+              <a:buFontTx/>
+              <a:buNone/>
+            </a:pPr>
+            <a:r>
+              <a:rPr lang="de-DE" dirty="0" err="1"/>
+              <a:t>Servo</a:t>
+            </a:r>
+            <a:r>
+              <a:rPr lang="de-DE" dirty="0"/>
+              <a:t> Motor:</a:t>
+            </a:r>
+          </a:p>
+          <a:p>
+            <a:pPr marL="171450" marR="0" lvl="0" indent="-171450" algn="l" defTabSz="914400" rtl="0" eaLnBrk="1" fontAlgn="auto" latinLnBrk="0" hangingPunct="1">
+              <a:lnSpc>
+                <a:spcPct val="100000"/>
+              </a:lnSpc>
+              <a:spcBef>
+                <a:spcPts val="0"/>
+              </a:spcBef>
+              <a:spcAft>
+                <a:spcPts val="0"/>
+              </a:spcAft>
+              <a:buClrTx/>
+              <a:buSzTx/>
+              <a:buFont typeface="Arial" panose="020B0604020202020204" pitchFamily="34" charset="0"/>
+              <a:buChar char="•"/>
+              <a:tabLst/>
+              <a:defRPr/>
+            </a:pPr>
+            <a:r>
+              <a:rPr lang="de-DE" sz="1200" kern="1200" dirty="0">
+                <a:solidFill>
+                  <a:schemeClr val="tx1"/>
+                </a:solidFill>
+                <a:effectLst/>
+                <a:latin typeface="+mn-lt"/>
+                <a:ea typeface="+mn-ea"/>
+                <a:cs typeface="+mn-cs"/>
+              </a:rPr>
+              <a:t>HSR-8498HB </a:t>
+            </a:r>
+          </a:p>
+          <a:p>
+            <a:pPr marL="171450" marR="0" lvl="0" indent="-171450" algn="l" defTabSz="914400" rtl="0" eaLnBrk="1" fontAlgn="auto" latinLnBrk="0" hangingPunct="1">
+              <a:lnSpc>
+                <a:spcPct val="100000"/>
+              </a:lnSpc>
+              <a:spcBef>
+                <a:spcPts val="0"/>
+              </a:spcBef>
+              <a:spcAft>
+                <a:spcPts val="0"/>
+              </a:spcAft>
+              <a:buClrTx/>
+              <a:buSzTx/>
+              <a:buFont typeface="Arial" panose="020B0604020202020204" pitchFamily="34" charset="0"/>
+              <a:buChar char="•"/>
+              <a:tabLst/>
+              <a:defRPr/>
+            </a:pPr>
+            <a:r>
+              <a:rPr lang="de-DE" sz="1200" kern="1200" dirty="0" err="1">
+                <a:solidFill>
+                  <a:schemeClr val="tx1"/>
+                </a:solidFill>
+                <a:effectLst/>
+                <a:latin typeface="+mn-lt"/>
+                <a:ea typeface="+mn-ea"/>
+                <a:cs typeface="+mn-cs"/>
+              </a:rPr>
+              <a:t>Ca</a:t>
+            </a:r>
+            <a:r>
+              <a:rPr lang="de-DE" sz="1200" kern="1200" dirty="0">
+                <a:solidFill>
+                  <a:schemeClr val="tx1"/>
+                </a:solidFill>
+                <a:effectLst/>
+                <a:latin typeface="+mn-lt"/>
+                <a:ea typeface="+mn-ea"/>
+                <a:cs typeface="+mn-cs"/>
+              </a:rPr>
+              <a:t> 180-190 Grad </a:t>
+            </a:r>
+            <a:r>
+              <a:rPr lang="de-DE" sz="1200" kern="1200" dirty="0" err="1">
+                <a:solidFill>
+                  <a:schemeClr val="tx1"/>
+                </a:solidFill>
+                <a:effectLst/>
+                <a:latin typeface="+mn-lt"/>
+                <a:ea typeface="+mn-ea"/>
+                <a:cs typeface="+mn-cs"/>
+              </a:rPr>
+              <a:t>steuerwinkel</a:t>
+            </a:r>
+            <a:endParaRPr lang="de-DE" dirty="0"/>
           </a:p>
           <a:p>
             <a:pPr marL="171450" indent="-171450">
@@ -1818,21 +1724,16 @@
             </a:pPr>
             <a:r>
               <a:rPr lang="de-DE" dirty="0"/>
-              <a:t>Funktionen: Position setzten/lesen, </a:t>
+              <a:t>MC wurde durch </a:t>
             </a:r>
             <a:r>
               <a:rPr lang="de-DE" dirty="0" err="1"/>
-              <a:t>Geschw</a:t>
-            </a:r>
-            <a:r>
-              <a:rPr lang="de-DE" dirty="0"/>
-              <a:t>. setzten, aktivieren, </a:t>
-            </a:r>
-            <a:r>
-              <a:rPr lang="de-DE" dirty="0" err="1"/>
-              <a:t>reset</a:t>
-            </a:r>
-            <a:endParaRPr lang="de-DE" dirty="0"/>
+              <a:t>Atmega</a:t>
+            </a:r>
+            <a:r>
+              <a:rPr lang="de-DE" dirty="0"/>
+              <a:t> 328P ersetzt -&gt; eigenes Protokoll</a:t>
+            </a:r>
           </a:p>
           <a:p>
             <a:pPr marL="171450" indent="-171450">
@@ -1841,7 +1742,7 @@
             </a:pPr>
             <a:r>
               <a:rPr lang="de-DE" dirty="0"/>
-              <a:t>Von vorherigem Team erhalten und an eigene Bedürfnisse angepasst</a:t>
+              <a:t>Wird über UART Bus angesteuert</a:t>
             </a:r>
           </a:p>
           <a:p>
@@ -1858,7 +1759,7 @@
             </a:pPr>
             <a:r>
               <a:rPr lang="de-DE" dirty="0"/>
-              <a:t>Ansteuerung: Steuerplatine</a:t>
+              <a:t>Header:</a:t>
             </a:r>
           </a:p>
           <a:p>
@@ -1868,7 +1769,15 @@
             </a:pPr>
             <a:r>
               <a:rPr lang="de-DE" dirty="0"/>
-              <a:t>Empfangene Daten verarbeiten und über Treiber an Motoren weitergeben</a:t>
+              <a:t>3 </a:t>
+            </a:r>
+            <a:r>
+              <a:rPr lang="de-DE" dirty="0" err="1"/>
+              <a:t>linien</a:t>
+            </a:r>
+            <a:r>
+              <a:rPr lang="de-DE" dirty="0"/>
+              <a:t>: GND, V, Signal</a:t>
             </a:r>
           </a:p>
           <a:p>
@@ -1876,142 +1785,22 @@
               <a:buFont typeface="Arial" panose="020B0604020202020204" pitchFamily="34" charset="0"/>
               <a:buChar char="•"/>
             </a:pPr>
-            <a:endParaRPr lang="de-DE" dirty="0"/>
-          </a:p>
-          <a:p>
-            <a:pPr marL="0" indent="0">
-              <a:buFont typeface="Arial" panose="020B0604020202020204" pitchFamily="34" charset="0"/>
-              <a:buNone/>
-            </a:pPr>
+            <a:r>
+              <a:rPr lang="de-DE" dirty="0"/>
+              <a:t>Pro </a:t>
+            </a:r>
             <a:r>
               <a:rPr lang="de-DE" dirty="0" err="1"/>
-              <a:t>Servo</a:t>
-            </a:r>
-            <a:r>
-              <a:rPr lang="de-DE" dirty="0"/>
-              <a:t> Software: Servomotor</a:t>
-            </a:r>
-          </a:p>
-          <a:p>
-            <a:pPr marL="171450" lvl="0" indent="-171450">
-              <a:buFont typeface="Arial" panose="020B0604020202020204" pitchFamily="34" charset="0"/>
-              <a:buChar char="•"/>
-            </a:pPr>
-            <a:r>
-              <a:rPr lang="de-DE" dirty="0"/>
-              <a:t>Code des Atmega328P zur konkreten Ansteuerung des Motors anpassen</a:t>
-            </a:r>
-          </a:p>
-          <a:p>
-            <a:pPr marL="171450" lvl="0" indent="-171450">
-              <a:buFont typeface="Arial" panose="020B0604020202020204" pitchFamily="34" charset="0"/>
-              <a:buChar char="•"/>
-            </a:pPr>
-            <a:r>
-              <a:rPr lang="de-DE" dirty="0"/>
-              <a:t>Problem:</a:t>
-            </a:r>
-          </a:p>
-          <a:p>
-            <a:pPr marL="628650" lvl="1" indent="-171450">
-              <a:buFont typeface="Arial" panose="020B0604020202020204" pitchFamily="34" charset="0"/>
-              <a:buChar char="•"/>
-            </a:pPr>
+              <a:t>header</a:t>
+            </a:r>
+            <a:r>
+              <a:rPr lang="de-DE" dirty="0"/>
+              <a:t> 5 mögliche </a:t>
+            </a:r>
             <a:r>
               <a:rPr lang="de-DE" dirty="0" err="1"/>
               <a:t>Servos</a:t>
             </a:r>
-            <a:r>
-              <a:rPr lang="de-DE" dirty="0"/>
-              <a:t> haben zu wenig Drehmoment -&gt; zu viel Gewicht/Widerstand für </a:t>
-            </a:r>
-            <a:r>
-              <a:rPr lang="de-DE" dirty="0" err="1"/>
-              <a:t>Servo</a:t>
-            </a:r>
-            <a:r>
-              <a:rPr lang="de-DE" dirty="0"/>
-              <a:t> in manchen Situationen</a:t>
-            </a:r>
-          </a:p>
-          <a:p>
-            <a:pPr marL="628650" lvl="1" indent="-171450">
-              <a:buFont typeface="Arial" panose="020B0604020202020204" pitchFamily="34" charset="0"/>
-              <a:buChar char="•"/>
-            </a:pPr>
-            <a:r>
-              <a:rPr lang="de-DE" dirty="0"/>
-              <a:t>Roboter kann nicht von selbst aufstehen, da auf beine zu viel Gewicht lastet</a:t>
-            </a:r>
-          </a:p>
-          <a:p>
-            <a:pPr marL="171450" lvl="0" indent="-171450">
-              <a:buFont typeface="Arial" panose="020B0604020202020204" pitchFamily="34" charset="0"/>
-              <a:buChar char="•"/>
-            </a:pPr>
-            <a:r>
-              <a:rPr lang="de-DE" dirty="0"/>
-              <a:t>Anfängliches Ziel:</a:t>
-            </a:r>
-          </a:p>
-          <a:p>
-            <a:pPr marL="628650" lvl="1" indent="-171450">
-              <a:buFont typeface="Arial" panose="020B0604020202020204" pitchFamily="34" charset="0"/>
-              <a:buChar char="•"/>
-            </a:pPr>
-            <a:r>
-              <a:rPr lang="de-DE" dirty="0"/>
-              <a:t>Software auf den </a:t>
-            </a:r>
-            <a:r>
-              <a:rPr lang="de-DE" dirty="0" err="1"/>
-              <a:t>Servos</a:t>
-            </a:r>
-            <a:r>
-              <a:rPr lang="de-DE" dirty="0"/>
-              <a:t> anpassen und </a:t>
-            </a:r>
-            <a:r>
-              <a:rPr lang="de-DE" dirty="0" err="1"/>
-              <a:t>flashen</a:t>
-            </a:r>
-            <a:r>
-              <a:rPr lang="de-DE" dirty="0"/>
-              <a:t> um Problem zu lösen</a:t>
-            </a:r>
-          </a:p>
-          <a:p>
-            <a:pPr marL="628650" lvl="1" indent="-171450">
-              <a:buFont typeface="Arial" panose="020B0604020202020204" pitchFamily="34" charset="0"/>
-              <a:buChar char="•"/>
-            </a:pPr>
-            <a:r>
-              <a:rPr lang="de-DE" dirty="0"/>
-              <a:t>Hat in Praxis nicht funktioniert</a:t>
-            </a:r>
-          </a:p>
-          <a:p>
-            <a:pPr marL="171450" lvl="0" indent="-171450">
-              <a:buFont typeface="Arial" panose="020B0604020202020204" pitchFamily="34" charset="0"/>
-              <a:buChar char="•"/>
-            </a:pPr>
-            <a:r>
-              <a:rPr lang="de-DE" dirty="0"/>
-              <a:t>Neues Ziel: gute Dokumentation für folgende Teams damit diese das Machen können</a:t>
-            </a:r>
-          </a:p>
-          <a:p>
-            <a:pPr marL="628650" lvl="1" indent="-171450">
-              <a:buFont typeface="Arial" panose="020B0604020202020204" pitchFamily="34" charset="0"/>
-              <a:buChar char="•"/>
-            </a:pPr>
-            <a:endParaRPr lang="de-DE" dirty="0"/>
-          </a:p>
-          <a:p>
-            <a:pPr marL="628650" lvl="1" indent="-171450">
-              <a:buFont typeface="Arial" panose="020B0604020202020204" pitchFamily="34" charset="0"/>
-              <a:buChar char="•"/>
-            </a:pPr>
             <a:endParaRPr lang="de-DE" dirty="0"/>
           </a:p>
           <a:p>
@@ -2019,7 +1808,26 @@
               <a:buFont typeface="Arial" panose="020B0604020202020204" pitchFamily="34" charset="0"/>
               <a:buChar char="•"/>
             </a:pPr>
-            <a:endParaRPr lang="de-DE" dirty="0"/>
+            <a:r>
+              <a:rPr lang="de-DE" dirty="0"/>
+              <a:t>1 </a:t>
+            </a:r>
+            <a:r>
+              <a:rPr lang="de-DE" dirty="0" err="1"/>
+              <a:t>header</a:t>
+            </a:r>
+            <a:r>
+              <a:rPr lang="de-DE" dirty="0"/>
+              <a:t>/</a:t>
+            </a:r>
+            <a:r>
+              <a:rPr lang="de-DE" dirty="0" err="1"/>
+              <a:t>Uart</a:t>
+            </a:r>
+            <a:r>
+              <a:rPr lang="de-DE" dirty="0"/>
+              <a:t> funktioniert nicht -&gt; wurde durch UART Splitter umgangen</a:t>
+            </a:r>
           </a:p>
         </p:txBody>
       </p:sp>
@@ -2040,7 +1848,7 @@
           <a:p>
             <a:fld id="{0194AACC-7DFA-4861-8E9F-6A38B02C3BDD}" type="slidenum">
               <a:rPr lang="de-DE" smtClean="0"/>
-              <a:t>7</a:t>
+              <a:t>6</a:t>
             </a:fld>
             <a:endParaRPr lang="de-DE"/>
           </a:p>
@@ -2049,7 +1857,7 @@
     </p:spTree>
     <p:extLst>
       <p:ext uri="{BB962C8B-B14F-4D97-AF65-F5344CB8AC3E}">
-        <p14:creationId xmlns:p14="http://schemas.microsoft.com/office/powerpoint/2010/main" val="2960871027"/>
+        <p14:creationId xmlns:p14="http://schemas.microsoft.com/office/powerpoint/2010/main" val="1670772313"/>
       </p:ext>
     </p:extLst>
   </p:cSld>
@@ -2105,55 +1913,218 @@
           <a:p>
             <a:r>
               <a:rPr lang="de-DE" dirty="0"/>
-              <a:t>Doku: fehlende Informationen, falsche Informationen, </a:t>
+              <a:t>Treiber: Seitens Steuerplatine</a:t>
+            </a:r>
+          </a:p>
+          <a:p>
+            <a:pPr marL="171450" indent="-171450">
+              <a:buFont typeface="Arial" panose="020B0604020202020204" pitchFamily="34" charset="0"/>
+              <a:buChar char="•"/>
+            </a:pPr>
+            <a:r>
+              <a:rPr lang="de-DE" dirty="0"/>
+              <a:t>Funktionen: Position setzten/lesen, </a:t>
             </a:r>
             <a:r>
               <a:rPr lang="de-DE" dirty="0" err="1"/>
-              <a:t>unklarheiten</a:t>
+              <a:t>Geschw</a:t>
+            </a:r>
+            <a:r>
+              <a:rPr lang="de-DE" dirty="0"/>
+              <a:t>. setzten, aktivieren, </a:t>
+            </a:r>
+            <a:r>
+              <a:rPr lang="de-DE" dirty="0" err="1"/>
+              <a:t>reset</a:t>
             </a:r>
             <a:endParaRPr lang="de-DE" dirty="0"/>
           </a:p>
           <a:p>
-            <a:r>
-              <a:rPr lang="de-DE" dirty="0"/>
-              <a:t>Eigenbau: Debugger scheint </a:t>
-            </a:r>
+            <a:pPr marL="171450" indent="-171450">
+              <a:buFont typeface="Arial" panose="020B0604020202020204" pitchFamily="34" charset="0"/>
+              <a:buChar char="•"/>
+            </a:pPr>
+            <a:r>
+              <a:rPr lang="de-DE" dirty="0"/>
+              <a:t>Von vorherigem Team erhalten und an eigene Bedürfnisse angepasst</a:t>
+            </a:r>
+          </a:p>
+          <a:p>
+            <a:pPr marL="171450" indent="-171450">
+              <a:buFont typeface="Arial" panose="020B0604020202020204" pitchFamily="34" charset="0"/>
+              <a:buChar char="•"/>
+            </a:pPr>
+            <a:endParaRPr lang="de-DE" dirty="0"/>
+          </a:p>
+          <a:p>
+            <a:pPr marL="0" indent="0">
+              <a:buFont typeface="Arial" panose="020B0604020202020204" pitchFamily="34" charset="0"/>
+              <a:buNone/>
+            </a:pPr>
+            <a:r>
+              <a:rPr lang="de-DE" dirty="0"/>
+              <a:t>Ansteuerung: Steuerplatine</a:t>
+            </a:r>
+          </a:p>
+          <a:p>
+            <a:pPr marL="171450" indent="-171450">
+              <a:buFont typeface="Arial" panose="020B0604020202020204" pitchFamily="34" charset="0"/>
+              <a:buChar char="•"/>
+            </a:pPr>
+            <a:r>
+              <a:rPr lang="de-DE" dirty="0"/>
+              <a:t>Empfangene Daten verarbeiten und über Treiber an Motoren weitergeben</a:t>
+            </a:r>
+          </a:p>
+          <a:p>
+            <a:pPr marL="171450" indent="-171450">
+              <a:buFont typeface="Arial" panose="020B0604020202020204" pitchFamily="34" charset="0"/>
+              <a:buChar char="•"/>
+            </a:pPr>
+            <a:endParaRPr lang="de-DE" dirty="0"/>
+          </a:p>
+          <a:p>
+            <a:pPr marL="0" indent="0">
+              <a:buFont typeface="Arial" panose="020B0604020202020204" pitchFamily="34" charset="0"/>
+              <a:buNone/>
+            </a:pPr>
             <a:r>
               <a:rPr lang="de-DE" dirty="0" err="1"/>
-              <a:t>wackler</a:t>
-            </a:r>
-            <a:r>
-              <a:rPr lang="de-DE" dirty="0"/>
-              <a:t> zu haben, viel Lötverbindungen statt </a:t>
-            </a:r>
+              <a:t>Servo</a:t>
+            </a:r>
+            <a:r>
+              <a:rPr lang="de-DE" dirty="0"/>
+              <a:t> Software: Servomotor</a:t>
+            </a:r>
+          </a:p>
+          <a:p>
+            <a:pPr marL="171450" lvl="0" indent="-171450">
+              <a:buFont typeface="Arial" panose="020B0604020202020204" pitchFamily="34" charset="0"/>
+              <a:buChar char="•"/>
+            </a:pPr>
+            <a:r>
+              <a:rPr lang="de-DE" dirty="0"/>
+              <a:t>Code des Atmega328P zur konkreten Ansteuerung des Motors anpassen</a:t>
+            </a:r>
+          </a:p>
+          <a:p>
+            <a:pPr marL="171450" lvl="0" indent="-171450">
+              <a:buFont typeface="Arial" panose="020B0604020202020204" pitchFamily="34" charset="0"/>
+              <a:buChar char="•"/>
+            </a:pPr>
+            <a:r>
+              <a:rPr lang="de-DE" dirty="0"/>
+              <a:t>Problem:</a:t>
+            </a:r>
+          </a:p>
+          <a:p>
+            <a:pPr marL="628650" lvl="1" indent="-171450">
+              <a:buFont typeface="Arial" panose="020B0604020202020204" pitchFamily="34" charset="0"/>
+              <a:buChar char="•"/>
+            </a:pPr>
             <a:r>
               <a:rPr lang="de-DE" dirty="0" err="1"/>
-              <a:t>steckverbindung</a:t>
-            </a:r>
-            <a:r>
-              <a:rPr lang="de-DE" dirty="0"/>
-              <a:t> -&gt; anfällig für Defekte,…</a:t>
-            </a:r>
-          </a:p>
-          <a:p>
-            <a:r>
-              <a:rPr lang="de-DE" dirty="0"/>
-              <a:t>Team: durch Zusammenarbeit effektiver</a:t>
-            </a:r>
-          </a:p>
-          <a:p>
-            <a:r>
-              <a:rPr lang="de-DE" dirty="0"/>
-              <a:t>Labor: Prof. Roth und Hr. Altmann hätten </a:t>
+              <a:t>Servos</a:t>
+            </a:r>
+            <a:r>
+              <a:rPr lang="de-DE" dirty="0"/>
+              <a:t> haben zu wenig Drehmoment -&gt; zu viel Gewicht/Widerstand für </a:t>
             </a:r>
             <a:r>
               <a:rPr lang="de-DE" dirty="0" err="1"/>
-              <a:t>evtl</a:t>
-            </a:r>
-            <a:r>
-              <a:rPr lang="de-DE" dirty="0"/>
-              <a:t> mit persönlichem Kontakt mehr Hilfe geben können</a:t>
-            </a:r>
+              <a:t>Servo</a:t>
+            </a:r>
+            <a:r>
+              <a:rPr lang="de-DE" dirty="0"/>
+              <a:t> in manchen Situationen</a:t>
+            </a:r>
+          </a:p>
+          <a:p>
+            <a:pPr marL="628650" lvl="1" indent="-171450">
+              <a:buFont typeface="Arial" panose="020B0604020202020204" pitchFamily="34" charset="0"/>
+              <a:buChar char="•"/>
+            </a:pPr>
+            <a:r>
+              <a:rPr lang="de-DE" dirty="0"/>
+              <a:t>Roboter kann nicht von selbst aufstehen, da auf beine zu viel Gewicht lastet</a:t>
+            </a:r>
+          </a:p>
+          <a:p>
+            <a:pPr marL="171450" lvl="0" indent="-171450">
+              <a:buFont typeface="Arial" panose="020B0604020202020204" pitchFamily="34" charset="0"/>
+              <a:buChar char="•"/>
+            </a:pPr>
+            <a:r>
+              <a:rPr lang="de-DE" dirty="0"/>
+              <a:t>Anfängliches Ziel:</a:t>
+            </a:r>
+          </a:p>
+          <a:p>
+            <a:pPr marL="628650" lvl="1" indent="-171450">
+              <a:buFont typeface="Arial" panose="020B0604020202020204" pitchFamily="34" charset="0"/>
+              <a:buChar char="•"/>
+            </a:pPr>
+            <a:r>
+              <a:rPr lang="de-DE" dirty="0"/>
+              <a:t>Software auf den </a:t>
+            </a:r>
+            <a:r>
+              <a:rPr lang="de-DE" dirty="0" err="1"/>
+              <a:t>Servos</a:t>
+            </a:r>
+            <a:r>
+              <a:rPr lang="de-DE" dirty="0"/>
+              <a:t> anpassen und </a:t>
+            </a:r>
+            <a:r>
+              <a:rPr lang="de-DE" dirty="0" err="1"/>
+              <a:t>flashen</a:t>
+            </a:r>
+            <a:r>
+              <a:rPr lang="de-DE" dirty="0"/>
+              <a:t> um Problem zu lösen</a:t>
+            </a:r>
+          </a:p>
+          <a:p>
+            <a:pPr marL="628650" lvl="1" indent="-171450">
+              <a:buFont typeface="Arial" panose="020B0604020202020204" pitchFamily="34" charset="0"/>
+              <a:buChar char="•"/>
+            </a:pPr>
+            <a:r>
+              <a:rPr lang="de-DE" dirty="0"/>
+              <a:t>Hat in Praxis nicht funktioniert</a:t>
+            </a:r>
+          </a:p>
+          <a:p>
+            <a:pPr marL="171450" lvl="0" indent="-171450">
+              <a:buFont typeface="Arial" panose="020B0604020202020204" pitchFamily="34" charset="0"/>
+              <a:buChar char="•"/>
+            </a:pPr>
+            <a:r>
+              <a:rPr lang="de-DE" dirty="0"/>
+              <a:t>Neues Ziel: gute Dokumentation für folgende Teams damit diese das Machen können</a:t>
+            </a:r>
+          </a:p>
+          <a:p>
+            <a:pPr marL="628650" lvl="1" indent="-171450">
+              <a:buFont typeface="Arial" panose="020B0604020202020204" pitchFamily="34" charset="0"/>
+              <a:buChar char="•"/>
+            </a:pPr>
+            <a:endParaRPr lang="de-DE" dirty="0"/>
+          </a:p>
+          <a:p>
+            <a:pPr marL="628650" lvl="1" indent="-171450">
+              <a:buFont typeface="Arial" panose="020B0604020202020204" pitchFamily="34" charset="0"/>
+              <a:buChar char="•"/>
+            </a:pPr>
+            <a:endParaRPr lang="de-DE" dirty="0"/>
+          </a:p>
+          <a:p>
+            <a:pPr marL="171450" indent="-171450">
+              <a:buFont typeface="Arial" panose="020B0604020202020204" pitchFamily="34" charset="0"/>
+              <a:buChar char="•"/>
+            </a:pPr>
+            <a:endParaRPr lang="de-DE" dirty="0"/>
           </a:p>
         </p:txBody>
       </p:sp>
@@ -2174,6 +2145,145 @@
           <a:p>
             <a:fld id="{0194AACC-7DFA-4861-8E9F-6A38B02C3BDD}" type="slidenum">
               <a:rPr lang="de-DE" smtClean="0"/>
+              <a:t>7</a:t>
+            </a:fld>
+            <a:endParaRPr lang="de-DE"/>
+          </a:p>
+        </p:txBody>
+      </p:sp>
+    </p:spTree>
+    <p:extLst>
+      <p:ext uri="{BB962C8B-B14F-4D97-AF65-F5344CB8AC3E}">
+        <p14:creationId xmlns:p14="http://schemas.microsoft.com/office/powerpoint/2010/main" val="2960871027"/>
+      </p:ext>
+    </p:extLst>
+  </p:cSld>
+  <p:clrMapOvr>
+    <a:masterClrMapping/>
+  </p:clrMapOvr>
+</p:notes>
+</file>
+
+<file path=ppt/notesSlides/notesSlide8.xml><?xml version="1.0" encoding="utf-8"?>
+<p:notes xmlns:a="http://schemas.openxmlformats.org/drawingml/2006/main" xmlns:r="http://schemas.openxmlformats.org/officeDocument/2006/relationships" xmlns:p="http://schemas.openxmlformats.org/presentationml/2006/main">
+  <p:cSld>
+    <p:spTree>
+      <p:nvGrpSpPr>
+        <p:cNvPr id="1" name=""/>
+        <p:cNvGrpSpPr/>
+        <p:nvPr/>
+      </p:nvGrpSpPr>
+      <p:grpSpPr>
+        <a:xfrm>
+          <a:off x="0" y="0"/>
+          <a:ext cx="0" cy="0"/>
+          <a:chOff x="0" y="0"/>
+          <a:chExt cx="0" cy="0"/>
+        </a:xfrm>
+      </p:grpSpPr>
+      <p:sp>
+        <p:nvSpPr>
+          <p:cNvPr id="2" name="Folienbildplatzhalter 1"/>
+          <p:cNvSpPr>
+            <a:spLocks noGrp="1" noRot="1" noChangeAspect="1"/>
+          </p:cNvSpPr>
+          <p:nvPr>
+            <p:ph type="sldImg"/>
+          </p:nvPr>
+        </p:nvSpPr>
+        <p:spPr/>
+      </p:sp>
+      <p:sp>
+        <p:nvSpPr>
+          <p:cNvPr id="3" name="Notizenplatzhalter 2"/>
+          <p:cNvSpPr>
+            <a:spLocks noGrp="1"/>
+          </p:cNvSpPr>
+          <p:nvPr>
+            <p:ph type="body" idx="1"/>
+          </p:nvPr>
+        </p:nvSpPr>
+        <p:spPr/>
+        <p:txBody>
+          <a:bodyPr/>
+          <a:lstStyle/>
+          <a:p>
+            <a:r>
+              <a:rPr lang="de-DE" dirty="0"/>
+              <a:t>Doku: fehlende Informationen, falsche Informationen, </a:t>
+            </a:r>
+            <a:r>
+              <a:rPr lang="de-DE" dirty="0" err="1"/>
+              <a:t>unklarheiten</a:t>
+            </a:r>
+            <a:endParaRPr lang="de-DE" dirty="0"/>
+          </a:p>
+          <a:p>
+            <a:r>
+              <a:rPr lang="de-DE" dirty="0"/>
+              <a:t>Eigenbau: Debugger scheint </a:t>
+            </a:r>
+            <a:r>
+              <a:rPr lang="de-DE" dirty="0" err="1"/>
+              <a:t>wackler</a:t>
+            </a:r>
+            <a:r>
+              <a:rPr lang="de-DE" dirty="0"/>
+              <a:t> zu haben, viel Lötverbindungen statt </a:t>
+            </a:r>
+            <a:r>
+              <a:rPr lang="de-DE" dirty="0" err="1"/>
+              <a:t>steckverbindung</a:t>
+            </a:r>
+            <a:r>
+              <a:rPr lang="de-DE" dirty="0"/>
+              <a:t> -&gt; anfällig für Defekte,…</a:t>
+            </a:r>
+          </a:p>
+          <a:p>
+            <a:r>
+              <a:rPr lang="de-DE" dirty="0"/>
+              <a:t>Team: effektiver</a:t>
+            </a:r>
+          </a:p>
+          <a:p>
+            <a:r>
+              <a:rPr lang="de-DE" dirty="0"/>
+              <a:t>Labor: effektiver, leichterer Kommunikation/Austausch, </a:t>
+            </a:r>
+            <a:r>
+              <a:rPr lang="de-DE" dirty="0" err="1"/>
+              <a:t>hardware</a:t>
+            </a:r>
+            <a:r>
+              <a:rPr lang="de-DE" dirty="0"/>
+              <a:t> im Labor statt </a:t>
+            </a:r>
+            <a:r>
+              <a:rPr lang="de-DE"/>
+              <a:t>immer wieder holen</a:t>
+            </a:r>
+            <a:endParaRPr lang="de-DE" dirty="0"/>
+          </a:p>
+        </p:txBody>
+      </p:sp>
+      <p:sp>
+        <p:nvSpPr>
+          <p:cNvPr id="4" name="Foliennummernplatzhalter 3"/>
+          <p:cNvSpPr>
+            <a:spLocks noGrp="1"/>
+          </p:cNvSpPr>
+          <p:nvPr>
+            <p:ph type="sldNum" sz="quarter" idx="5"/>
+          </p:nvPr>
+        </p:nvSpPr>
+        <p:spPr/>
+        <p:txBody>
+          <a:bodyPr/>
+          <a:lstStyle/>
+          <a:p>
+            <a:fld id="{0194AACC-7DFA-4861-8E9F-6A38B02C3BDD}" type="slidenum">
+              <a:rPr lang="de-DE" smtClean="0"/>
               <a:t>8</a:t>
             </a:fld>
             <a:endParaRPr lang="de-DE"/>
@@ -2184,6 +2294,90 @@
     <p:extLst>
       <p:ext uri="{BB962C8B-B14F-4D97-AF65-F5344CB8AC3E}">
         <p14:creationId xmlns:p14="http://schemas.microsoft.com/office/powerpoint/2010/main" val="3251535551"/>
+      </p:ext>
+    </p:extLst>
+  </p:cSld>
+  <p:clrMapOvr>
+    <a:masterClrMapping/>
+  </p:clrMapOvr>
+</p:notes>
+</file>
+
+<file path=ppt/notesSlides/notesSlide9.xml><?xml version="1.0" encoding="utf-8"?>
+<p:notes xmlns:a="http://schemas.openxmlformats.org/drawingml/2006/main" xmlns:r="http://schemas.openxmlformats.org/officeDocument/2006/relationships" xmlns:p="http://schemas.openxmlformats.org/presentationml/2006/main">
+  <p:cSld>
+    <p:spTree>
+      <p:nvGrpSpPr>
+        <p:cNvPr id="1" name=""/>
+        <p:cNvGrpSpPr/>
+        <p:nvPr/>
+      </p:nvGrpSpPr>
+      <p:grpSpPr>
+        <a:xfrm>
+          <a:off x="0" y="0"/>
+          <a:ext cx="0" cy="0"/>
+          <a:chOff x="0" y="0"/>
+          <a:chExt cx="0" cy="0"/>
+        </a:xfrm>
+      </p:grpSpPr>
+      <p:sp>
+        <p:nvSpPr>
+          <p:cNvPr id="2" name="Folienbildplatzhalter 1"/>
+          <p:cNvSpPr>
+            <a:spLocks noGrp="1" noRot="1" noChangeAspect="1"/>
+          </p:cNvSpPr>
+          <p:nvPr>
+            <p:ph type="sldImg"/>
+          </p:nvPr>
+        </p:nvSpPr>
+        <p:spPr/>
+      </p:sp>
+      <p:sp>
+        <p:nvSpPr>
+          <p:cNvPr id="3" name="Notizenplatzhalter 2"/>
+          <p:cNvSpPr>
+            <a:spLocks noGrp="1"/>
+          </p:cNvSpPr>
+          <p:nvPr>
+            <p:ph type="body" idx="1"/>
+          </p:nvPr>
+        </p:nvSpPr>
+        <p:spPr/>
+        <p:txBody>
+          <a:bodyPr/>
+          <a:lstStyle/>
+          <a:p>
+            <a:endParaRPr lang="de-DE" dirty="0"/>
+          </a:p>
+        </p:txBody>
+      </p:sp>
+      <p:sp>
+        <p:nvSpPr>
+          <p:cNvPr id="4" name="Foliennummernplatzhalter 3"/>
+          <p:cNvSpPr>
+            <a:spLocks noGrp="1"/>
+          </p:cNvSpPr>
+          <p:nvPr>
+            <p:ph type="sldNum" sz="quarter" idx="5"/>
+          </p:nvPr>
+        </p:nvSpPr>
+        <p:spPr/>
+        <p:txBody>
+          <a:bodyPr/>
+          <a:lstStyle/>
+          <a:p>
+            <a:fld id="{0194AACC-7DFA-4861-8E9F-6A38B02C3BDD}" type="slidenum">
+              <a:rPr lang="de-DE" smtClean="0"/>
+              <a:t>9</a:t>
+            </a:fld>
+            <a:endParaRPr lang="de-DE"/>
+          </a:p>
+        </p:txBody>
+      </p:sp>
+    </p:spTree>
+    <p:extLst>
+      <p:ext uri="{BB962C8B-B14F-4D97-AF65-F5344CB8AC3E}">
+        <p14:creationId xmlns:p14="http://schemas.microsoft.com/office/powerpoint/2010/main" val="4202148350"/>
       </p:ext>
     </p:extLst>
   </p:cSld>
@@ -4562,7 +4756,7 @@
           <p:nvPr/>
         </p:nvPicPr>
         <p:blipFill>
-          <a:blip r:embed="rId2">
+          <a:blip r:embed="rId3">
             <a:extLst>
               <a:ext uri="{28A0092B-C50C-407E-A947-70E740481C1C}">
                 <a14:useLocalDpi xmlns:a14="http://schemas.microsoft.com/office/drawing/2010/main" val="0"/>
@@ -5583,7 +5777,7 @@
               <a:rPr lang="de-DE" sz="2800" spc="600" dirty="0">
                 <a:latin typeface="Corbel Light" panose="020B0303020204020204" pitchFamily="34" charset="0"/>
               </a:rPr>
-              <a:t>5%</a:t>
+              <a:t>10%</a:t>
             </a:r>
           </a:p>
         </p:txBody>
@@ -6316,7 +6510,7 @@
               <a:rPr lang="de-DE" sz="2800" spc="600" dirty="0">
                 <a:latin typeface="Corbel Light" panose="020B0303020204020204" pitchFamily="34" charset="0"/>
               </a:rPr>
-              <a:t>15%</a:t>
+              <a:t>20%</a:t>
             </a:r>
           </a:p>
         </p:txBody>
@@ -7251,7 +7445,7 @@
               <a:rPr lang="de-DE" sz="2800" spc="600" dirty="0">
                 <a:latin typeface="Corbel Light" panose="020B0303020204020204" pitchFamily="34" charset="0"/>
               </a:rPr>
-              <a:t>30%</a:t>
+              <a:t>20%</a:t>
             </a:r>
           </a:p>
         </p:txBody>
@@ -7441,7 +7635,7 @@
         <p:spPr>
           <a:xfrm>
             <a:off x="515890" y="1095288"/>
-            <a:ext cx="11318555" cy="2610843"/>
+            <a:ext cx="11318555" cy="3257174"/>
           </a:xfrm>
           <a:prstGeom prst="rect">
             <a:avLst/>
@@ -7470,7 +7664,7 @@
               <a:rPr lang="de-DE" sz="2800" spc="600" dirty="0">
                 <a:latin typeface="Corbel Light" panose="020B0303020204020204" pitchFamily="34" charset="0"/>
               </a:rPr>
-              <a:t>Ansteuerung klappt</a:t>
+              <a:t>Gute Dokumentation ist wichtig</a:t>
             </a:r>
           </a:p>
           <a:p>
@@ -7482,16 +7676,10 @@
               <a:buChar char="o"/>
             </a:pPr>
             <a:r>
-              <a:rPr lang="de-DE" sz="2800" spc="600" dirty="0" err="1">
-                <a:latin typeface="Corbel Light" panose="020B0303020204020204" pitchFamily="34" charset="0"/>
-              </a:rPr>
-              <a:t>Servos</a:t>
-            </a:r>
-            <a:r>
               <a:rPr lang="de-DE" sz="2800" spc="600" dirty="0">
                 <a:latin typeface="Corbel Light" panose="020B0303020204020204" pitchFamily="34" charset="0"/>
               </a:rPr>
-              <a:t> begrenzt verwendbar</a:t>
+              <a:t>Auf alte/bestehende Arbeit aufbauen ist schwierig</a:t>
             </a:r>
           </a:p>
           <a:p>
@@ -7506,22 +7694,7 @@
               <a:rPr lang="de-DE" sz="2800" spc="600" dirty="0">
                 <a:latin typeface="Corbel Light" panose="020B0303020204020204" pitchFamily="34" charset="0"/>
               </a:rPr>
-              <a:t>Problembehebung nicht geschafft</a:t>
-            </a:r>
-          </a:p>
-          <a:p>
-            <a:pPr marL="457200" indent="-457200">
-              <a:lnSpc>
-                <a:spcPct val="150000"/>
-              </a:lnSpc>
-              <a:buFont typeface="Courier New" panose="02070309020205020404" pitchFamily="49" charset="0"/>
-              <a:buChar char="o"/>
-            </a:pPr>
-            <a:r>
-              <a:rPr lang="de-DE" sz="2800" spc="600" dirty="0">
-                <a:latin typeface="Corbel Light" panose="020B0303020204020204" pitchFamily="34" charset="0"/>
-              </a:rPr>
-              <a:t>Dokumentation in Arbeit</a:t>
+              <a:t>In gegebenen Treibern fehlen manchmal wichtige Funktionen</a:t>
             </a:r>
           </a:p>
         </p:txBody>
